--- a/Кузовлев.pptx
+++ b/Кузовлев.pptx
@@ -9,6 +9,9 @@
     <p:sldId id="257" r:id="rId4"/>
     <p:sldId id="258" r:id="rId5"/>
     <p:sldId id="259" r:id="rId6"/>
+    <p:sldId id="260" r:id="rId7"/>
+    <p:sldId id="261" r:id="rId8"/>
+    <p:sldId id="262" r:id="rId9"/>
   </p:sldIdLst>
   <p:sldSz cx="12192000" cy="6858000"/>
   <p:notesSz cx="12192000" cy="6858000"/>
@@ -3650,7 +3653,7 @@
         </p:nvSpPr>
         <p:spPr bwMode="auto">
           <a:xfrm flipH="0" flipV="0">
-            <a:off x="512095" y="-19488"/>
+            <a:off x="512094" y="-19488"/>
             <a:ext cx="10912928" cy="1616982"/>
           </a:xfrm>
         </p:spPr>
@@ -3948,7 +3951,7 @@
         </p:nvSpPr>
         <p:spPr bwMode="auto">
           <a:xfrm flipH="0" flipV="0">
-            <a:off x="10078331" y="3501543"/>
+            <a:off x="10078330" y="3501543"/>
             <a:ext cx="2314771" cy="900828"/>
           </a:xfrm>
           <a:prstGeom prst="rect">
@@ -4198,334 +4201,159 @@
       </p:grpSpPr>
       <p:sp>
         <p:nvSpPr>
-          <p:cNvPr id="1899691641" name="Объект 2" hidden="0"/>
-          <p:cNvSpPr>
-            <a:spLocks noGrp="1"/>
-          </p:cNvSpPr>
-          <p:nvPr isPhoto="0" userDrawn="0">
-            <p:ph idx="1" hasCustomPrompt="0"/>
+          <p:cNvPr id="468925039" name="Заголовок 1" hidden="0"/>
+          <p:cNvSpPr>
+            <a:spLocks noGrp="1"/>
+          </p:cNvSpPr>
+          <p:nvPr isPhoto="0" userDrawn="0">
+            <p:ph type="title" hasCustomPrompt="0"/>
           </p:nvPr>
         </p:nvSpPr>
         <p:spPr bwMode="auto">
-          <a:xfrm>
-            <a:off x="838199" y="301624"/>
-            <a:ext cx="10515600" cy="4351338"/>
+          <a:xfrm flipH="0" flipV="0">
+            <a:off x="1819170" y="-111123"/>
+            <a:ext cx="7963396" cy="1325561"/>
           </a:xfrm>
         </p:spPr>
         <p:txBody>
-          <a:bodyPr/>
-          <a:lstStyle/>
-          <a:p>
-            <a:pPr marL="0" indent="0" algn="ctr">
-              <a:buFont typeface="Arial"/>
-              <a:buNone/>
-              <a:defRPr/>
-            </a:pPr>
-            <a:r>
-              <a:rPr lang="ru-RU" sz="3600" b="0" i="0" u="none" strike="noStrike" cap="none" spc="0">
-                <a:solidFill>
-                  <a:schemeClr val="tx1"/>
-                </a:solidFill>
-                <a:latin typeface="Times New Roman"/>
-                <a:ea typeface="Times New Roman"/>
-                <a:cs typeface="Times New Roman"/>
-              </a:rPr>
-              <a:t>Схема электродвигателя Бориса Семёновича Якоби</a:t>
-            </a:r>
-            <a:r>
-              <a:rPr lang="en-US" sz="3600" b="0" i="0" u="none" strike="noStrike" cap="none" spc="0">
-                <a:solidFill>
-                  <a:schemeClr val="tx1"/>
-                </a:solidFill>
+          <a:bodyPr vertOverflow="overflow" horzOverflow="clip" vert="horz" wrap="square" lIns="91440" tIns="45720" rIns="91440" bIns="45720" numCol="1" spcCol="0" rtlCol="0" fromWordArt="0" anchor="ctr" anchorCtr="0" forceAA="0" upright="0" compatLnSpc="0">
+            <a:normAutofit fontScale="95000" lnSpcReduction="1000"/>
+          </a:bodyPr>
+          <a:lstStyle/>
+          <a:p>
+            <a:pPr>
+              <a:defRPr/>
+            </a:pPr>
+            <a:r>
+              <a:rPr lang="ru-RU" sz="4800">
+                <a:latin typeface="Times New Roman"/>
+                <a:ea typeface="Times New Roman"/>
+                <a:cs typeface="Times New Roman"/>
+              </a:rPr>
+              <a:t>Анализ</a:t>
+            </a:r>
+            <a:r>
+              <a:rPr lang="ru-RU" sz="4800">
+                <a:latin typeface="Times New Roman"/>
+                <a:ea typeface="Times New Roman"/>
+                <a:cs typeface="Times New Roman"/>
+              </a:rPr>
+              <a:t> </a:t>
+            </a:r>
+            <a:r>
+              <a:rPr lang="ru-RU" sz="4800">
+                <a:latin typeface="Times New Roman"/>
+                <a:ea typeface="Times New Roman"/>
+                <a:cs typeface="Times New Roman"/>
+              </a:rPr>
+              <a:t>исследований</a:t>
+            </a:r>
+            <a:r>
+              <a:rPr lang="en-US" sz="4800">
+                <a:latin typeface="Times New Roman"/>
+                <a:ea typeface="Times New Roman"/>
+                <a:cs typeface="Times New Roman"/>
+              </a:rPr>
+              <a:t> </a:t>
+            </a:r>
+            <a:r>
+              <a:rPr lang="ru-RU" sz="4800">
+                <a:latin typeface="Times New Roman"/>
+                <a:ea typeface="Times New Roman"/>
+                <a:cs typeface="Times New Roman"/>
+              </a:rPr>
+              <a:t>работы</a:t>
+            </a:r>
+            <a:r>
+              <a:rPr lang="en-US" sz="4800">
                 <a:latin typeface="Times New Roman"/>
                 <a:ea typeface="Times New Roman"/>
                 <a:cs typeface="Times New Roman"/>
               </a:rPr>
               <a:t>:</a:t>
             </a:r>
-            <a:endParaRPr/>
-          </a:p>
-        </p:txBody>
-      </p:sp>
-      <p:sp>
-        <p:nvSpPr>
-          <p:cNvPr id="1000626798" name="" hidden="0"/>
-          <p:cNvSpPr/>
-          <p:nvPr isPhoto="0" userDrawn="0"/>
-        </p:nvSpPr>
-        <p:spPr bwMode="auto">
-          <a:xfrm>
-            <a:off x="5968559" y="3291840"/>
-            <a:ext cx="254916" cy="365795"/>
-          </a:xfrm>
-        </p:spPr>
-        <p:txBody>
-          <a:bodyPr rot="0" spcFirstLastPara="0" vertOverflow="overflow" horzOverflow="clip" vert="horz" wrap="square" lIns="91440" tIns="45720" rIns="91440" bIns="45720" numCol="1" spcCol="0" rtlCol="0" fromWordArt="0" anchor="t" anchorCtr="0" forceAA="0" upright="0" compatLnSpc="1">
-            <a:prstTxWarp prst="textNoShape"/>
-            <a:spAutoFit/>
-          </a:bodyPr>
-          <a:p>
-            <a:pPr>
-              <a:defRPr/>
-            </a:pPr>
-            <a:endParaRPr/>
-          </a:p>
-        </p:txBody>
-      </p:sp>
-      <p:pic>
-        <p:nvPicPr>
-          <p:cNvPr id="380158224" name="" hidden="0"/>
-          <p:cNvPicPr>
-            <a:picLocks noChangeAspect="1"/>
-          </p:cNvPicPr>
-          <p:nvPr isPhoto="0" userDrawn="0"/>
-        </p:nvPicPr>
-        <p:blipFill>
-          <a:blip r:embed="rId2"/>
-          <a:srcRect l="0" t="0" r="0" b="5201"/>
-          <a:stretch/>
-        </p:blipFill>
-        <p:spPr bwMode="auto">
-          <a:xfrm flipH="0" flipV="0">
-            <a:off x="71035" y="1227648"/>
-            <a:ext cx="5837464" cy="4786780"/>
-          </a:xfrm>
-          <a:prstGeom prst="rect">
-            <a:avLst/>
-          </a:prstGeom>
-        </p:spPr>
-      </p:pic>
-      <p:sp>
-        <p:nvSpPr>
-          <p:cNvPr id="1940876469" name="" hidden="0"/>
-          <p:cNvSpPr txBox="1"/>
-          <p:nvPr isPhoto="0" userDrawn="0"/>
-        </p:nvSpPr>
-        <p:spPr bwMode="auto">
-          <a:xfrm flipH="0" flipV="0">
-            <a:off x="5622749" y="1319892"/>
-            <a:ext cx="6422571" cy="365795"/>
-          </a:xfrm>
-          <a:prstGeom prst="rect">
-            <a:avLst/>
-          </a:prstGeom>
-          <a:noFill/>
-        </p:spPr>
-        <p:txBody>
-          <a:bodyPr vertOverflow="overflow" horzOverflow="clip" vert="horz" wrap="square" lIns="91440" tIns="45720" rIns="91440" bIns="45720" numCol="1" spcCol="0" rtlCol="0" fromWordArt="0" anchor="t" anchorCtr="0" forceAA="0" upright="0" compatLnSpc="0">
-            <a:spAutoFit/>
-          </a:bodyPr>
-          <a:p>
-            <a:pPr>
-              <a:defRPr/>
-            </a:pPr>
-            <a:endParaRPr/>
-          </a:p>
-        </p:txBody>
-      </p:sp>
-      <p:sp>
-        <p:nvSpPr>
-          <p:cNvPr id="644706394" name="" hidden="0"/>
-          <p:cNvSpPr txBox="1"/>
-          <p:nvPr isPhoto="0" userDrawn="0"/>
-        </p:nvSpPr>
-        <p:spPr bwMode="auto">
-          <a:xfrm flipH="0" flipV="0">
-            <a:off x="5742171" y="1502790"/>
-            <a:ext cx="6410188" cy="4480596"/>
-          </a:xfrm>
-          <a:prstGeom prst="rect">
-            <a:avLst/>
-          </a:prstGeom>
-          <a:noFill/>
-        </p:spPr>
-        <p:txBody>
-          <a:bodyPr vertOverflow="overflow" horzOverflow="clip" vert="horz" wrap="square" lIns="91440" tIns="45720" rIns="91440" bIns="45720" numCol="1" spcCol="0" rtlCol="0" fromWordArt="0" anchor="t" anchorCtr="0" forceAA="0" upright="0" compatLnSpc="0">
-            <a:spAutoFit/>
-          </a:bodyPr>
-          <a:p>
-            <a:pPr>
-              <a:defRPr/>
-            </a:pPr>
-            <a:r>
-              <a:rPr sz="2400" b="0" i="0" u="none">
-                <a:solidFill>
-                  <a:schemeClr val="tx1"/>
-                </a:solidFill>
-                <a:latin typeface="Times New Roman"/>
-                <a:ea typeface="Times New Roman"/>
-                <a:cs typeface="Times New Roman"/>
-              </a:rPr>
-              <a:t>1 — обмотка статора с восемью аксиальными полюсами электромагнитов</a:t>
-            </a:r>
-            <a:r>
-              <a:rPr lang="ru-RU" sz="2400" b="0" i="0" u="none">
-                <a:solidFill>
-                  <a:schemeClr val="tx1"/>
-                </a:solidFill>
-                <a:latin typeface="Times New Roman"/>
-                <a:ea typeface="Times New Roman"/>
-                <a:cs typeface="Times New Roman"/>
-              </a:rPr>
-              <a:t>;</a:t>
-            </a:r>
-            <a:endParaRPr sz="2400" b="0" i="0" u="none">
-              <a:solidFill>
-                <a:schemeClr val="tx1"/>
-              </a:solidFill>
+            <a:endParaRPr sz="3600">
               <a:latin typeface="Times New Roman"/>
               <a:ea typeface="Times New Roman"/>
               <a:cs typeface="Times New Roman"/>
             </a:endParaRPr>
           </a:p>
-          <a:p>
-            <a:pPr>
-              <a:defRPr/>
-            </a:pPr>
-            <a:r>
-              <a:rPr sz="2400" b="0" i="0" u="none">
-                <a:solidFill>
-                  <a:schemeClr val="tx1"/>
-                </a:solidFill>
-                <a:latin typeface="Times New Roman"/>
-                <a:ea typeface="Times New Roman"/>
-                <a:cs typeface="Times New Roman"/>
-              </a:rPr>
-              <a:t>2 — ротор;</a:t>
-            </a:r>
-            <a:endParaRPr sz="2400" b="0" i="0" u="none">
-              <a:solidFill>
-                <a:schemeClr val="tx1"/>
-              </a:solidFill>
+        </p:txBody>
+      </p:sp>
+      <p:sp>
+        <p:nvSpPr>
+          <p:cNvPr id="2096295996" name="Объект 2" hidden="0"/>
+          <p:cNvSpPr>
+            <a:spLocks noGrp="1"/>
+          </p:cNvSpPr>
+          <p:nvPr isPhoto="0" userDrawn="0">
+            <p:ph idx="1" hasCustomPrompt="0"/>
+          </p:nvPr>
+        </p:nvSpPr>
+        <p:spPr bwMode="auto">
+          <a:xfrm flipH="0" flipV="0">
+            <a:off x="577683" y="1214437"/>
+            <a:ext cx="10446369" cy="4351338"/>
+          </a:xfrm>
+        </p:spPr>
+        <p:txBody>
+          <a:bodyPr/>
+          <a:lstStyle/>
+          <a:p>
+            <a:pPr marL="394023" indent="-394023">
+              <a:buFont typeface="Arial"/>
+              <a:buAutoNum type="arabicPeriod"/>
+              <a:defRPr/>
+            </a:pPr>
+            <a:r>
+              <a:rPr sz="3600">
+                <a:latin typeface="Times New Roman"/>
+                <a:ea typeface="Times New Roman"/>
+                <a:cs typeface="Times New Roman"/>
+              </a:rPr>
+              <a:t>Изучение принципа работы первого полезного электродвигателя.</a:t>
+            </a:r>
+            <a:endParaRPr sz="3600">
               <a:latin typeface="Times New Roman"/>
               <a:ea typeface="Times New Roman"/>
               <a:cs typeface="Times New Roman"/>
             </a:endParaRPr>
           </a:p>
           <a:p>
-            <a:pPr>
-              <a:defRPr/>
-            </a:pPr>
-            <a:r>
-              <a:rPr sz="2400" b="0" i="0" u="none">
-                <a:solidFill>
-                  <a:schemeClr val="tx1"/>
-                </a:solidFill>
-                <a:latin typeface="Times New Roman"/>
-                <a:ea typeface="Times New Roman"/>
-                <a:cs typeface="Times New Roman"/>
-              </a:rPr>
-              <a:t>3 — обмотка ротора также с восемью полюсами (якорь)</a:t>
-            </a:r>
-            <a:r>
-              <a:rPr lang="en-US" sz="2400" b="0" i="0" u="none">
-                <a:solidFill>
-                  <a:schemeClr val="tx1"/>
-                </a:solidFill>
-                <a:latin typeface="Times New Roman"/>
-                <a:ea typeface="Times New Roman"/>
-                <a:cs typeface="Times New Roman"/>
-              </a:rPr>
-              <a:t>;</a:t>
-            </a:r>
-            <a:endParaRPr sz="2400" b="0" i="0" u="none">
-              <a:solidFill>
-                <a:schemeClr val="tx1"/>
-              </a:solidFill>
+            <a:pPr marL="394023" indent="-394023">
+              <a:buFont typeface="Arial"/>
+              <a:buAutoNum type="arabicPeriod"/>
+              <a:defRPr/>
+            </a:pPr>
+            <a:r>
+              <a:rPr sz="3600">
+                <a:latin typeface="Times New Roman"/>
+                <a:ea typeface="Times New Roman"/>
+                <a:cs typeface="Times New Roman"/>
+              </a:rPr>
+              <a:t>Сравнение первого полезного электродвигателя с современными аналогами.</a:t>
+            </a:r>
+            <a:endParaRPr sz="3600">
               <a:latin typeface="Times New Roman"/>
               <a:ea typeface="Times New Roman"/>
               <a:cs typeface="Times New Roman"/>
             </a:endParaRPr>
           </a:p>
           <a:p>
-            <a:pPr>
-              <a:defRPr/>
-            </a:pPr>
-            <a:r>
-              <a:rPr sz="2400" b="0" i="0" u="none">
-                <a:solidFill>
-                  <a:schemeClr val="tx1"/>
-                </a:solidFill>
-                <a:latin typeface="Times New Roman"/>
-                <a:ea typeface="Times New Roman"/>
-                <a:cs typeface="Times New Roman"/>
-              </a:rPr>
-              <a:t>4 — щеточно-коллекторный узел (коммутатор), называемый тогда «жиротропом», с четырьмя металлическими контактными рычагами и коллекторными дисками</a:t>
-            </a:r>
-            <a:r>
-              <a:rPr lang="en-US" sz="2400" b="0" i="0" u="none">
-                <a:solidFill>
-                  <a:schemeClr val="tx1"/>
-                </a:solidFill>
-                <a:latin typeface="Times New Roman"/>
-                <a:ea typeface="Times New Roman"/>
-                <a:cs typeface="Times New Roman"/>
-              </a:rPr>
-              <a:t>;</a:t>
-            </a:r>
-            <a:endParaRPr sz="2400" b="0" i="0" u="none">
-              <a:solidFill>
-                <a:schemeClr val="tx1"/>
-              </a:solidFill>
-              <a:latin typeface="Times New Roman"/>
-              <a:ea typeface="Times New Roman"/>
-              <a:cs typeface="Times New Roman"/>
-            </a:endParaRPr>
-          </a:p>
-          <a:p>
-            <a:pPr>
-              <a:defRPr/>
-            </a:pPr>
-            <a:r>
-              <a:rPr sz="2400" b="0" i="0" u="none">
-                <a:solidFill>
-                  <a:schemeClr val="tx1"/>
-                </a:solidFill>
-                <a:latin typeface="Times New Roman"/>
-                <a:ea typeface="Times New Roman"/>
-                <a:cs typeface="Times New Roman"/>
-              </a:rPr>
-              <a:t>5 — вал</a:t>
-            </a:r>
-            <a:r>
-              <a:rPr lang="en-US" sz="2400" b="0" i="0" u="none">
-                <a:solidFill>
-                  <a:schemeClr val="tx1"/>
-                </a:solidFill>
-                <a:latin typeface="Times New Roman"/>
-                <a:ea typeface="Times New Roman"/>
-                <a:cs typeface="Times New Roman"/>
-              </a:rPr>
-              <a:t>;</a:t>
-            </a:r>
-            <a:endParaRPr sz="2400" b="0" i="0" u="none">
-              <a:solidFill>
-                <a:schemeClr val="tx1"/>
-              </a:solidFill>
-              <a:latin typeface="Times New Roman"/>
-              <a:ea typeface="Times New Roman"/>
-              <a:cs typeface="Times New Roman"/>
-            </a:endParaRPr>
-          </a:p>
-          <a:p>
-            <a:pPr>
-              <a:defRPr/>
-            </a:pPr>
-            <a:r>
-              <a:rPr sz="2400" b="0" i="0" u="none">
-                <a:solidFill>
-                  <a:schemeClr val="tx1"/>
-                </a:solidFill>
-                <a:latin typeface="Times New Roman"/>
-                <a:ea typeface="Times New Roman"/>
-                <a:cs typeface="Times New Roman"/>
-              </a:rPr>
-              <a:t>6 — гальваническая батарея.</a:t>
-            </a:r>
-            <a:endParaRPr sz="2400">
-              <a:solidFill>
-                <a:schemeClr val="tx1"/>
-              </a:solidFill>
+            <a:pPr marL="394023" indent="-394023">
+              <a:buFont typeface="Arial"/>
+              <a:buAutoNum type="arabicPeriod"/>
+              <a:defRPr/>
+            </a:pPr>
+            <a:r>
+              <a:rPr sz="3600">
+                <a:latin typeface="Times New Roman"/>
+                <a:ea typeface="Times New Roman"/>
+                <a:cs typeface="Times New Roman"/>
+              </a:rPr>
+              <a:t>Изучение способов создания действующего макета первого полезного электродвигателя с использованием современных технологий.</a:t>
+            </a:r>
+            <a:endParaRPr sz="3600">
               <a:latin typeface="Times New Roman"/>
               <a:ea typeface="Times New Roman"/>
               <a:cs typeface="Times New Roman"/>
@@ -4568,60 +4396,17 @@
       </p:grpSpPr>
       <p:sp>
         <p:nvSpPr>
-          <p:cNvPr id="468925039" name="Заголовок 1" hidden="0"/>
-          <p:cNvSpPr>
-            <a:spLocks noGrp="1"/>
-          </p:cNvSpPr>
-          <p:nvPr isPhoto="0" userDrawn="0">
-            <p:ph type="title" hasCustomPrompt="0"/>
+          <p:cNvPr id="1899691641" name="Объект 2" hidden="0"/>
+          <p:cNvSpPr>
+            <a:spLocks noGrp="1"/>
+          </p:cNvSpPr>
+          <p:nvPr isPhoto="0" userDrawn="0">
+            <p:ph idx="1" hasCustomPrompt="0"/>
           </p:nvPr>
         </p:nvSpPr>
         <p:spPr bwMode="auto">
           <a:xfrm>
-            <a:off x="838199" y="-111124"/>
-            <a:ext cx="10515600" cy="1325562"/>
-          </a:xfrm>
-        </p:spPr>
-        <p:txBody>
-          <a:bodyPr/>
-          <a:lstStyle/>
-          <a:p>
-            <a:pPr>
-              <a:defRPr/>
-            </a:pPr>
-            <a:r>
-              <a:rPr lang="ru-RU" sz="3600"/>
-              <a:t>Исследования</a:t>
-            </a:r>
-            <a:r>
-              <a:rPr lang="en-US" sz="3600"/>
-              <a:t> </a:t>
-            </a:r>
-            <a:r>
-              <a:rPr lang="ru-RU" sz="3600"/>
-              <a:t>и анализ работы</a:t>
-            </a:r>
-            <a:r>
-              <a:rPr lang="en-US" sz="3600"/>
-              <a:t>:</a:t>
-            </a:r>
-            <a:endParaRPr sz="3600"/>
-          </a:p>
-        </p:txBody>
-      </p:sp>
-      <p:sp>
-        <p:nvSpPr>
-          <p:cNvPr id="2096295996" name="Объект 2" hidden="0"/>
-          <p:cNvSpPr>
-            <a:spLocks noGrp="1"/>
-          </p:cNvSpPr>
-          <p:nvPr isPhoto="0" userDrawn="0">
-            <p:ph idx="1" hasCustomPrompt="0"/>
-          </p:nvPr>
-        </p:nvSpPr>
-        <p:spPr bwMode="auto">
-          <a:xfrm>
-            <a:off x="838199" y="1214437"/>
+            <a:off x="838198" y="301624"/>
             <a:ext cx="10515600" cy="4351338"/>
           </a:xfrm>
         </p:spPr>
@@ -4629,10 +4414,852 @@
           <a:bodyPr/>
           <a:lstStyle/>
           <a:p>
-            <a:pPr>
-              <a:defRPr/>
-            </a:pPr>
+            <a:pPr marL="0" indent="0" algn="ctr">
+              <a:buFont typeface="Arial"/>
+              <a:buNone/>
+              <a:defRPr/>
+            </a:pPr>
+            <a:r>
+              <a:rPr lang="ru-RU" sz="3600" b="0" i="0" u="none" strike="noStrike" cap="none" spc="0">
+                <a:solidFill>
+                  <a:schemeClr val="tx1"/>
+                </a:solidFill>
+                <a:latin typeface="Times New Roman"/>
+                <a:ea typeface="Times New Roman"/>
+                <a:cs typeface="Times New Roman"/>
+              </a:rPr>
+              <a:t>Схема электродвигателя Бориса Семёновича Якоби</a:t>
+            </a:r>
+            <a:r>
+              <a:rPr lang="en-US" sz="3600" b="0" i="0" u="none" strike="noStrike" cap="none" spc="0">
+                <a:solidFill>
+                  <a:schemeClr val="tx1"/>
+                </a:solidFill>
+                <a:latin typeface="Times New Roman"/>
+                <a:ea typeface="Times New Roman"/>
+                <a:cs typeface="Times New Roman"/>
+              </a:rPr>
+              <a:t>:</a:t>
+            </a:r>
             <a:endParaRPr/>
+          </a:p>
+        </p:txBody>
+      </p:sp>
+      <p:sp>
+        <p:nvSpPr>
+          <p:cNvPr id="1000626798" name="" hidden="0"/>
+          <p:cNvSpPr/>
+          <p:nvPr isPhoto="0" userDrawn="0"/>
+        </p:nvSpPr>
+        <p:spPr bwMode="auto">
+          <a:xfrm>
+            <a:off x="5968559" y="3291840"/>
+            <a:ext cx="254916" cy="365795"/>
+          </a:xfrm>
+        </p:spPr>
+        <p:txBody>
+          <a:bodyPr rot="0" spcFirstLastPara="0" vertOverflow="overflow" horzOverflow="clip" vert="horz" wrap="square" lIns="91440" tIns="45720" rIns="91440" bIns="45720" numCol="1" spcCol="0" rtlCol="0" fromWordArt="0" anchor="t" anchorCtr="0" forceAA="0" upright="0" compatLnSpc="1">
+            <a:prstTxWarp prst="textNoShape"/>
+            <a:spAutoFit/>
+          </a:bodyPr>
+          <a:p>
+            <a:pPr>
+              <a:defRPr/>
+            </a:pPr>
+            <a:endParaRPr/>
+          </a:p>
+        </p:txBody>
+      </p:sp>
+      <p:pic>
+        <p:nvPicPr>
+          <p:cNvPr id="380158224" name="" hidden="0"/>
+          <p:cNvPicPr>
+            <a:picLocks noChangeAspect="1"/>
+          </p:cNvPicPr>
+          <p:nvPr isPhoto="0" userDrawn="0"/>
+        </p:nvPicPr>
+        <p:blipFill>
+          <a:blip r:embed="rId2"/>
+          <a:srcRect l="0" t="0" r="0" b="5200"/>
+          <a:stretch/>
+        </p:blipFill>
+        <p:spPr bwMode="auto">
+          <a:xfrm flipH="0" flipV="0">
+            <a:off x="71035" y="1227648"/>
+            <a:ext cx="5837464" cy="4786780"/>
+          </a:xfrm>
+          <a:prstGeom prst="rect">
+            <a:avLst/>
+          </a:prstGeom>
+        </p:spPr>
+      </p:pic>
+      <p:sp>
+        <p:nvSpPr>
+          <p:cNvPr id="1940876469" name="" hidden="0"/>
+          <p:cNvSpPr txBox="1"/>
+          <p:nvPr isPhoto="0" userDrawn="0"/>
+        </p:nvSpPr>
+        <p:spPr bwMode="auto">
+          <a:xfrm flipH="0" flipV="0">
+            <a:off x="5622749" y="1319892"/>
+            <a:ext cx="6422571" cy="365795"/>
+          </a:xfrm>
+          <a:prstGeom prst="rect">
+            <a:avLst/>
+          </a:prstGeom>
+          <a:noFill/>
+        </p:spPr>
+        <p:txBody>
+          <a:bodyPr vertOverflow="overflow" horzOverflow="clip" vert="horz" wrap="square" lIns="91440" tIns="45720" rIns="91440" bIns="45720" numCol="1" spcCol="0" rtlCol="0" fromWordArt="0" anchor="t" anchorCtr="0" forceAA="0" upright="0" compatLnSpc="0">
+            <a:spAutoFit/>
+          </a:bodyPr>
+          <a:p>
+            <a:pPr>
+              <a:defRPr/>
+            </a:pPr>
+            <a:endParaRPr/>
+          </a:p>
+        </p:txBody>
+      </p:sp>
+      <p:sp>
+        <p:nvSpPr>
+          <p:cNvPr id="644706394" name="" hidden="0"/>
+          <p:cNvSpPr txBox="1"/>
+          <p:nvPr isPhoto="0" userDrawn="0"/>
+        </p:nvSpPr>
+        <p:spPr bwMode="auto">
+          <a:xfrm flipH="0" flipV="0">
+            <a:off x="5742171" y="1502790"/>
+            <a:ext cx="6410188" cy="4480596"/>
+          </a:xfrm>
+          <a:prstGeom prst="rect">
+            <a:avLst/>
+          </a:prstGeom>
+          <a:noFill/>
+        </p:spPr>
+        <p:txBody>
+          <a:bodyPr vertOverflow="overflow" horzOverflow="clip" vert="horz" wrap="square" lIns="91440" tIns="45720" rIns="91440" bIns="45720" numCol="1" spcCol="0" rtlCol="0" fromWordArt="0" anchor="t" anchorCtr="0" forceAA="0" upright="0" compatLnSpc="0">
+            <a:spAutoFit/>
+          </a:bodyPr>
+          <a:p>
+            <a:pPr>
+              <a:defRPr/>
+            </a:pPr>
+            <a:r>
+              <a:rPr sz="2400" b="0" i="0" u="none">
+                <a:solidFill>
+                  <a:schemeClr val="tx1"/>
+                </a:solidFill>
+                <a:latin typeface="Times New Roman"/>
+                <a:ea typeface="Times New Roman"/>
+                <a:cs typeface="Times New Roman"/>
+              </a:rPr>
+              <a:t>1 — обмотка статора с восемью аксиальными полюсами электромагнитов</a:t>
+            </a:r>
+            <a:r>
+              <a:rPr lang="ru-RU" sz="2400" b="0" i="0" u="none">
+                <a:solidFill>
+                  <a:schemeClr val="tx1"/>
+                </a:solidFill>
+                <a:latin typeface="Times New Roman"/>
+                <a:ea typeface="Times New Roman"/>
+                <a:cs typeface="Times New Roman"/>
+              </a:rPr>
+              <a:t>;</a:t>
+            </a:r>
+            <a:endParaRPr sz="2400" b="0" i="0" u="none">
+              <a:solidFill>
+                <a:schemeClr val="tx1"/>
+              </a:solidFill>
+              <a:latin typeface="Times New Roman"/>
+              <a:ea typeface="Times New Roman"/>
+              <a:cs typeface="Times New Roman"/>
+            </a:endParaRPr>
+          </a:p>
+          <a:p>
+            <a:pPr>
+              <a:defRPr/>
+            </a:pPr>
+            <a:r>
+              <a:rPr sz="2400" b="0" i="0" u="none">
+                <a:solidFill>
+                  <a:schemeClr val="tx1"/>
+                </a:solidFill>
+                <a:latin typeface="Times New Roman"/>
+                <a:ea typeface="Times New Roman"/>
+                <a:cs typeface="Times New Roman"/>
+              </a:rPr>
+              <a:t>2 — ротор;</a:t>
+            </a:r>
+            <a:endParaRPr sz="2400" b="0" i="0" u="none">
+              <a:solidFill>
+                <a:schemeClr val="tx1"/>
+              </a:solidFill>
+              <a:latin typeface="Times New Roman"/>
+              <a:ea typeface="Times New Roman"/>
+              <a:cs typeface="Times New Roman"/>
+            </a:endParaRPr>
+          </a:p>
+          <a:p>
+            <a:pPr>
+              <a:defRPr/>
+            </a:pPr>
+            <a:r>
+              <a:rPr sz="2400" b="0" i="0" u="none">
+                <a:solidFill>
+                  <a:schemeClr val="tx1"/>
+                </a:solidFill>
+                <a:latin typeface="Times New Roman"/>
+                <a:ea typeface="Times New Roman"/>
+                <a:cs typeface="Times New Roman"/>
+              </a:rPr>
+              <a:t>3 — обмотка ротора также с восемью полюсами (якорь)</a:t>
+            </a:r>
+            <a:r>
+              <a:rPr lang="en-US" sz="2400" b="0" i="0" u="none">
+                <a:solidFill>
+                  <a:schemeClr val="tx1"/>
+                </a:solidFill>
+                <a:latin typeface="Times New Roman"/>
+                <a:ea typeface="Times New Roman"/>
+                <a:cs typeface="Times New Roman"/>
+              </a:rPr>
+              <a:t>;</a:t>
+            </a:r>
+            <a:endParaRPr sz="2400" b="0" i="0" u="none">
+              <a:solidFill>
+                <a:schemeClr val="tx1"/>
+              </a:solidFill>
+              <a:latin typeface="Times New Roman"/>
+              <a:ea typeface="Times New Roman"/>
+              <a:cs typeface="Times New Roman"/>
+            </a:endParaRPr>
+          </a:p>
+          <a:p>
+            <a:pPr>
+              <a:defRPr/>
+            </a:pPr>
+            <a:r>
+              <a:rPr sz="2400" b="0" i="0" u="none">
+                <a:solidFill>
+                  <a:schemeClr val="tx1"/>
+                </a:solidFill>
+                <a:latin typeface="Times New Roman"/>
+                <a:ea typeface="Times New Roman"/>
+                <a:cs typeface="Times New Roman"/>
+              </a:rPr>
+              <a:t>4 — щеточно-коллекторный узел (коммутатор), называемый тогда «жиротропом», с четырьмя металлическими контактными рычагами и коллекторными дисками</a:t>
+            </a:r>
+            <a:r>
+              <a:rPr lang="en-US" sz="2400" b="0" i="0" u="none">
+                <a:solidFill>
+                  <a:schemeClr val="tx1"/>
+                </a:solidFill>
+                <a:latin typeface="Times New Roman"/>
+                <a:ea typeface="Times New Roman"/>
+                <a:cs typeface="Times New Roman"/>
+              </a:rPr>
+              <a:t>;</a:t>
+            </a:r>
+            <a:endParaRPr sz="2400" b="0" i="0" u="none">
+              <a:solidFill>
+                <a:schemeClr val="tx1"/>
+              </a:solidFill>
+              <a:latin typeface="Times New Roman"/>
+              <a:ea typeface="Times New Roman"/>
+              <a:cs typeface="Times New Roman"/>
+            </a:endParaRPr>
+          </a:p>
+          <a:p>
+            <a:pPr>
+              <a:defRPr/>
+            </a:pPr>
+            <a:r>
+              <a:rPr sz="2400" b="0" i="0" u="none">
+                <a:solidFill>
+                  <a:schemeClr val="tx1"/>
+                </a:solidFill>
+                <a:latin typeface="Times New Roman"/>
+                <a:ea typeface="Times New Roman"/>
+                <a:cs typeface="Times New Roman"/>
+              </a:rPr>
+              <a:t>5 — вал</a:t>
+            </a:r>
+            <a:r>
+              <a:rPr lang="en-US" sz="2400" b="0" i="0" u="none">
+                <a:solidFill>
+                  <a:schemeClr val="tx1"/>
+                </a:solidFill>
+                <a:latin typeface="Times New Roman"/>
+                <a:ea typeface="Times New Roman"/>
+                <a:cs typeface="Times New Roman"/>
+              </a:rPr>
+              <a:t>;</a:t>
+            </a:r>
+            <a:endParaRPr sz="2400" b="0" i="0" u="none">
+              <a:solidFill>
+                <a:schemeClr val="tx1"/>
+              </a:solidFill>
+              <a:latin typeface="Times New Roman"/>
+              <a:ea typeface="Times New Roman"/>
+              <a:cs typeface="Times New Roman"/>
+            </a:endParaRPr>
+          </a:p>
+          <a:p>
+            <a:pPr>
+              <a:defRPr/>
+            </a:pPr>
+            <a:r>
+              <a:rPr sz="2400" b="0" i="0" u="none">
+                <a:solidFill>
+                  <a:schemeClr val="tx1"/>
+                </a:solidFill>
+                <a:latin typeface="Times New Roman"/>
+                <a:ea typeface="Times New Roman"/>
+                <a:cs typeface="Times New Roman"/>
+              </a:rPr>
+              <a:t>6 — гальваническая батарея.</a:t>
+            </a:r>
+            <a:endParaRPr sz="2400">
+              <a:solidFill>
+                <a:schemeClr val="tx1"/>
+              </a:solidFill>
+              <a:latin typeface="Times New Roman"/>
+              <a:ea typeface="Times New Roman"/>
+              <a:cs typeface="Times New Roman"/>
+            </a:endParaRPr>
+          </a:p>
+        </p:txBody>
+      </p:sp>
+    </p:spTree>
+  </p:cSld>
+  <p:clrMapOvr>
+    <a:masterClrMapping/>
+  </p:clrMapOvr>
+  <mc:AlternateContent xmlns:mc="http://schemas.openxmlformats.org/markup-compatibility/2006">
+    <mc:Choice xmlns:p14="http://schemas.microsoft.com/office/powerpoint/2010/main" Requires="p14">
+      <p:transition p14:dur="2000" advClick="1"/>
+    </mc:Choice>
+    <mc:Fallback>
+      <p:transition advClick="1"/>
+    </mc:Fallback>
+  </mc:AlternateContent>
+</p:sld>
+</file>
+
+<file path=ppt/slides/slide5.xml><?xml version="1.0" encoding="utf-8"?>
+<p:sld xmlns:a="http://schemas.openxmlformats.org/drawingml/2006/main" xmlns:r="http://schemas.openxmlformats.org/officeDocument/2006/relationships" xmlns:p="http://schemas.openxmlformats.org/presentationml/2006/main" xmlns:m="http://schemas.openxmlformats.org/officeDocument/2006/math" xmlns:w="http://schemas.openxmlformats.org/wordprocessingml/2006/main" showMasterPhAnim="0" show="1">
+  <p:cSld name="">
+    <p:spTree>
+      <p:nvGrpSpPr>
+        <p:cNvPr id="1" name="" hidden="0"/>
+        <p:cNvGrpSpPr/>
+        <p:nvPr isPhoto="0" userDrawn="0"/>
+      </p:nvGrpSpPr>
+      <p:grpSpPr bwMode="auto">
+        <a:xfrm>
+          <a:off x="0" y="0"/>
+          <a:ext cx="0" cy="0"/>
+          <a:chOff x="0" y="0"/>
+          <a:chExt cx="0" cy="0"/>
+        </a:xfrm>
+      </p:grpSpPr>
+      <p:sp>
+        <p:nvSpPr>
+          <p:cNvPr id="1088470890" name="Заголовок 1" hidden="0"/>
+          <p:cNvSpPr>
+            <a:spLocks noGrp="1"/>
+          </p:cNvSpPr>
+          <p:nvPr isPhoto="0" userDrawn="0">
+            <p:ph type="title" hasCustomPrompt="0"/>
+          </p:nvPr>
+        </p:nvSpPr>
+        <p:spPr bwMode="auto"/>
+        <p:txBody>
+          <a:bodyPr/>
+          <a:lstStyle/>
+          <a:p>
+            <a:pPr algn="ctr">
+              <a:defRPr/>
+            </a:pPr>
+            <a:r>
+              <a:rPr>
+                <a:latin typeface="Times New Roman"/>
+                <a:ea typeface="Times New Roman"/>
+                <a:cs typeface="Times New Roman"/>
+              </a:rPr>
+              <a:t>Описание проекта</a:t>
+            </a:r>
+            <a:r>
+              <a:rPr lang="en-US">
+                <a:latin typeface="Times New Roman"/>
+                <a:ea typeface="Times New Roman"/>
+                <a:cs typeface="Times New Roman"/>
+              </a:rPr>
+              <a:t>:</a:t>
+            </a:r>
+            <a:endParaRPr>
+              <a:latin typeface="Times New Roman"/>
+              <a:ea typeface="Times New Roman"/>
+              <a:cs typeface="Times New Roman"/>
+            </a:endParaRPr>
+          </a:p>
+        </p:txBody>
+      </p:sp>
+      <p:sp>
+        <p:nvSpPr>
+          <p:cNvPr id="40342749" name="Объект 2" hidden="0"/>
+          <p:cNvSpPr>
+            <a:spLocks noGrp="1"/>
+          </p:cNvSpPr>
+          <p:nvPr isPhoto="0" userDrawn="0">
+            <p:ph idx="1" hasCustomPrompt="0"/>
+          </p:nvPr>
+        </p:nvSpPr>
+        <p:spPr bwMode="auto">
+          <a:xfrm flipH="0" flipV="0">
+            <a:off x="498177" y="1825624"/>
+            <a:ext cx="11195644" cy="4351338"/>
+          </a:xfrm>
+        </p:spPr>
+        <p:txBody>
+          <a:bodyPr vertOverflow="overflow" horzOverflow="clip" vert="horz" wrap="square" lIns="91440" tIns="45720" rIns="91440" bIns="45720" numCol="1" spcCol="0" rtlCol="0" fromWordArt="0" anchor="t" anchorCtr="0" forceAA="0" upright="0" compatLnSpc="0">
+            <a:noAutofit/>
+          </a:bodyPr>
+          <a:lstStyle/>
+          <a:p>
+            <a:pPr marL="0" indent="0">
+              <a:buFont typeface="Arial"/>
+              <a:buNone/>
+              <a:defRPr/>
+            </a:pPr>
+            <a:r>
+              <a:rPr lang="ru-RU" sz="3000">
+                <a:latin typeface="Times New Roman"/>
+                <a:ea typeface="Times New Roman"/>
+                <a:cs typeface="Times New Roman"/>
+              </a:rPr>
+              <a:t>Проект представляет собой действующий интерактивный макет первого полезного электродвигателя Бо</a:t>
+            </a:r>
+            <a:r>
+              <a:rPr lang="ru-RU" sz="3000">
+                <a:latin typeface="Times New Roman"/>
+                <a:ea typeface="Times New Roman"/>
+                <a:cs typeface="Times New Roman"/>
+              </a:rPr>
+              <a:t>р</a:t>
+            </a:r>
+            <a:r>
+              <a:rPr lang="ru-RU" sz="3000">
+                <a:latin typeface="Times New Roman"/>
+                <a:ea typeface="Times New Roman"/>
+                <a:cs typeface="Times New Roman"/>
+              </a:rPr>
+              <a:t>иса Семёновича Якоби, сделанный с помощью современных технологий.</a:t>
+            </a:r>
+            <a:endParaRPr sz="3000">
+              <a:latin typeface="Times New Roman"/>
+              <a:ea typeface="Times New Roman"/>
+              <a:cs typeface="Times New Roman"/>
+            </a:endParaRPr>
+          </a:p>
+          <a:p>
+            <a:pPr marL="0" indent="0">
+              <a:buFont typeface="Arial"/>
+              <a:buNone/>
+              <a:defRPr/>
+            </a:pPr>
+            <a:r>
+              <a:rPr lang="ru-RU" sz="3000">
+                <a:latin typeface="Times New Roman"/>
+                <a:ea typeface="Times New Roman"/>
+                <a:cs typeface="Times New Roman"/>
+              </a:rPr>
+              <a:t>Его актуальность заключается в интерактивности и работоспособности.</a:t>
+            </a:r>
+            <a:endParaRPr sz="3000">
+              <a:latin typeface="Times New Roman"/>
+              <a:ea typeface="Times New Roman"/>
+              <a:cs typeface="Times New Roman"/>
+            </a:endParaRPr>
+          </a:p>
+          <a:p>
+            <a:pPr marL="0" indent="0">
+              <a:buFont typeface="Arial"/>
+              <a:buNone/>
+              <a:defRPr/>
+            </a:pPr>
+            <a:r>
+              <a:rPr lang="ru-RU" sz="3000">
+                <a:latin typeface="Times New Roman"/>
+                <a:ea typeface="Times New Roman"/>
+                <a:cs typeface="Times New Roman"/>
+              </a:rPr>
+              <a:t>Проект был выбран для демонстрации источника технологии, работающей во множестве современных отраслей.</a:t>
+            </a:r>
+            <a:endParaRPr sz="3000">
+              <a:latin typeface="Times New Roman"/>
+              <a:ea typeface="Times New Roman"/>
+              <a:cs typeface="Times New Roman"/>
+            </a:endParaRPr>
+          </a:p>
+          <a:p>
+            <a:pPr marL="0" indent="0">
+              <a:buFont typeface="Arial"/>
+              <a:buNone/>
+              <a:defRPr/>
+            </a:pPr>
+            <a:endParaRPr sz="3000"/>
+          </a:p>
+        </p:txBody>
+      </p:sp>
+    </p:spTree>
+  </p:cSld>
+  <p:clrMapOvr>
+    <a:masterClrMapping/>
+  </p:clrMapOvr>
+  <mc:AlternateContent xmlns:mc="http://schemas.openxmlformats.org/markup-compatibility/2006">
+    <mc:Choice xmlns:p14="http://schemas.microsoft.com/office/powerpoint/2010/main" Requires="p14">
+      <p:transition p14:dur="2000" advClick="1"/>
+    </mc:Choice>
+    <mc:Fallback>
+      <p:transition advClick="1"/>
+    </mc:Fallback>
+  </mc:AlternateContent>
+</p:sld>
+</file>
+
+<file path=ppt/slides/slide6.xml><?xml version="1.0" encoding="utf-8"?>
+<p:sld xmlns:a="http://schemas.openxmlformats.org/drawingml/2006/main" xmlns:r="http://schemas.openxmlformats.org/officeDocument/2006/relationships" xmlns:p="http://schemas.openxmlformats.org/presentationml/2006/main" xmlns:m="http://schemas.openxmlformats.org/officeDocument/2006/math" xmlns:w="http://schemas.openxmlformats.org/wordprocessingml/2006/main" showMasterPhAnim="0" show="1">
+  <p:cSld name="">
+    <p:spTree>
+      <p:nvGrpSpPr>
+        <p:cNvPr id="1" name="" hidden="0"/>
+        <p:cNvGrpSpPr/>
+        <p:nvPr isPhoto="0" userDrawn="0"/>
+      </p:nvGrpSpPr>
+      <p:grpSpPr bwMode="auto">
+        <a:xfrm>
+          <a:off x="0" y="0"/>
+          <a:ext cx="0" cy="0"/>
+          <a:chOff x="0" y="0"/>
+          <a:chExt cx="0" cy="0"/>
+        </a:xfrm>
+      </p:grpSpPr>
+      <p:sp>
+        <p:nvSpPr>
+          <p:cNvPr id="1160793813" name="Заголовок 1" hidden="0"/>
+          <p:cNvSpPr>
+            <a:spLocks noGrp="1"/>
+          </p:cNvSpPr>
+          <p:nvPr isPhoto="0" userDrawn="0">
+            <p:ph type="title" hasCustomPrompt="0"/>
+          </p:nvPr>
+        </p:nvSpPr>
+        <p:spPr bwMode="auto"/>
+        <p:txBody>
+          <a:bodyPr/>
+          <a:lstStyle/>
+          <a:p>
+            <a:pPr algn="ctr">
+              <a:defRPr/>
+            </a:pPr>
+            <a:r>
+              <a:rPr sz="3600">
+                <a:latin typeface="Times New Roman"/>
+                <a:ea typeface="Times New Roman"/>
+                <a:cs typeface="Times New Roman"/>
+              </a:rPr>
+              <a:t>Используемое оборудование и материалы</a:t>
+            </a:r>
+            <a:r>
+              <a:rPr lang="en-US" sz="3600">
+                <a:latin typeface="Times New Roman"/>
+                <a:ea typeface="Times New Roman"/>
+                <a:cs typeface="Times New Roman"/>
+              </a:rPr>
+              <a:t>:</a:t>
+            </a:r>
+            <a:endParaRPr sz="3600">
+              <a:latin typeface="Times New Roman"/>
+              <a:ea typeface="Times New Roman"/>
+              <a:cs typeface="Times New Roman"/>
+            </a:endParaRPr>
+          </a:p>
+        </p:txBody>
+      </p:sp>
+      <p:sp>
+        <p:nvSpPr>
+          <p:cNvPr id="2106429551" name="Объект 2" hidden="0"/>
+          <p:cNvSpPr>
+            <a:spLocks noGrp="1"/>
+          </p:cNvSpPr>
+          <p:nvPr isPhoto="0" userDrawn="0">
+            <p:ph idx="1" hasCustomPrompt="0"/>
+          </p:nvPr>
+        </p:nvSpPr>
+        <p:spPr bwMode="auto"/>
+        <p:txBody>
+          <a:bodyPr/>
+          <a:lstStyle/>
+          <a:p>
+            <a:pPr marL="394023" indent="-394023">
+              <a:buFont typeface="Arial"/>
+              <a:buAutoNum type="arabicPeriod"/>
+              <a:defRPr/>
+            </a:pPr>
+            <a:r>
+              <a:rPr lang="en-US" sz="3000">
+                <a:latin typeface="Times New Roman"/>
+                <a:ea typeface="Times New Roman"/>
+                <a:cs typeface="Times New Roman"/>
+              </a:rPr>
+              <a:t>3</a:t>
+            </a:r>
+            <a:r>
+              <a:rPr lang="en-US" sz="3000">
+                <a:latin typeface="Times New Roman"/>
+                <a:ea typeface="Times New Roman"/>
+                <a:cs typeface="Times New Roman"/>
+              </a:rPr>
+              <a:t>d</a:t>
+            </a:r>
+            <a:r>
+              <a:rPr lang="ru-RU" sz="3000">
+                <a:latin typeface="Times New Roman"/>
+                <a:ea typeface="Times New Roman"/>
+                <a:cs typeface="Times New Roman"/>
+              </a:rPr>
+              <a:t> принтер для создания корпуса электродвигателя из пластика.</a:t>
+            </a:r>
+            <a:endParaRPr sz="3000">
+              <a:latin typeface="Times New Roman"/>
+              <a:ea typeface="Times New Roman"/>
+              <a:cs typeface="Times New Roman"/>
+            </a:endParaRPr>
+          </a:p>
+          <a:p>
+            <a:pPr marL="394023" indent="-394023">
+              <a:buFont typeface="Arial"/>
+              <a:buAutoNum type="arabicPeriod"/>
+              <a:defRPr/>
+            </a:pPr>
+            <a:r>
+              <a:rPr lang="ru-RU" sz="3000">
+                <a:latin typeface="Times New Roman"/>
+                <a:ea typeface="Times New Roman"/>
+                <a:cs typeface="Times New Roman"/>
+              </a:rPr>
+              <a:t>Винты М3 и медная проволока для создания электромагнитов.</a:t>
+            </a:r>
+            <a:endParaRPr sz="3000">
+              <a:latin typeface="Times New Roman"/>
+              <a:ea typeface="Times New Roman"/>
+              <a:cs typeface="Times New Roman"/>
+            </a:endParaRPr>
+          </a:p>
+          <a:p>
+            <a:pPr marL="394023" indent="-394023">
+              <a:buFont typeface="Arial"/>
+              <a:buAutoNum type="arabicPeriod"/>
+              <a:defRPr/>
+            </a:pPr>
+            <a:r>
+              <a:rPr lang="ru-RU" sz="3000">
+                <a:latin typeface="Times New Roman"/>
+                <a:ea typeface="Times New Roman"/>
+                <a:cs typeface="Times New Roman"/>
+              </a:rPr>
+              <a:t>Паяльник для соединения электронных компонентов (катушек, проводов).</a:t>
+            </a:r>
+            <a:endParaRPr sz="3000">
+              <a:latin typeface="Times New Roman"/>
+              <a:ea typeface="Times New Roman"/>
+              <a:cs typeface="Times New Roman"/>
+            </a:endParaRPr>
+          </a:p>
+          <a:p>
+            <a:pPr marL="394023" indent="-394023">
+              <a:buFont typeface="Arial"/>
+              <a:buAutoNum type="arabicPeriod"/>
+              <a:defRPr/>
+            </a:pPr>
+            <a:endParaRPr>
+              <a:latin typeface="Times New Roman"/>
+              <a:ea typeface="Times New Roman"/>
+              <a:cs typeface="Times New Roman"/>
+            </a:endParaRPr>
+          </a:p>
+        </p:txBody>
+      </p:sp>
+    </p:spTree>
+  </p:cSld>
+  <p:clrMapOvr>
+    <a:masterClrMapping/>
+  </p:clrMapOvr>
+  <mc:AlternateContent xmlns:mc="http://schemas.openxmlformats.org/markup-compatibility/2006">
+    <mc:Choice xmlns:p14="http://schemas.microsoft.com/office/powerpoint/2010/main" Requires="p14">
+      <p:transition p14:dur="2000" advClick="1"/>
+    </mc:Choice>
+    <mc:Fallback>
+      <p:transition advClick="1"/>
+    </mc:Fallback>
+  </mc:AlternateContent>
+</p:sld>
+</file>
+
+<file path=ppt/slides/slide7.xml><?xml version="1.0" encoding="utf-8"?>
+<p:sld xmlns:a="http://schemas.openxmlformats.org/drawingml/2006/main" xmlns:r="http://schemas.openxmlformats.org/officeDocument/2006/relationships" xmlns:p="http://schemas.openxmlformats.org/presentationml/2006/main" xmlns:m="http://schemas.openxmlformats.org/officeDocument/2006/math" xmlns:w="http://schemas.openxmlformats.org/wordprocessingml/2006/main" showMasterPhAnim="0" show="1">
+  <p:cSld name="">
+    <p:spTree>
+      <p:nvGrpSpPr>
+        <p:cNvPr id="1" name="" hidden="0"/>
+        <p:cNvGrpSpPr/>
+        <p:nvPr isPhoto="0" userDrawn="0"/>
+      </p:nvGrpSpPr>
+      <p:grpSpPr bwMode="auto">
+        <a:xfrm>
+          <a:off x="0" y="0"/>
+          <a:ext cx="0" cy="0"/>
+          <a:chOff x="0" y="0"/>
+          <a:chExt cx="0" cy="0"/>
+        </a:xfrm>
+      </p:grpSpPr>
+      <p:sp>
+        <p:nvSpPr>
+          <p:cNvPr id="1104076451" name="Заголовок 1" hidden="0"/>
+          <p:cNvSpPr>
+            <a:spLocks noGrp="1"/>
+          </p:cNvSpPr>
+          <p:nvPr isPhoto="0" userDrawn="0">
+            <p:ph type="title" hasCustomPrompt="0"/>
+          </p:nvPr>
+        </p:nvSpPr>
+        <p:spPr bwMode="auto"/>
+        <p:txBody>
+          <a:bodyPr/>
+          <a:lstStyle/>
+          <a:p>
+            <a:pPr algn="ctr">
+              <a:defRPr/>
+            </a:pPr>
+            <a:r>
+              <a:rPr>
+                <a:latin typeface="Times New Roman"/>
+                <a:ea typeface="Times New Roman"/>
+                <a:cs typeface="Times New Roman"/>
+              </a:rPr>
+              <a:t>Используемые навыки</a:t>
+            </a:r>
+            <a:r>
+              <a:rPr lang="en-US">
+                <a:latin typeface="Times New Roman"/>
+                <a:ea typeface="Times New Roman"/>
+                <a:cs typeface="Times New Roman"/>
+              </a:rPr>
+              <a:t>:</a:t>
+            </a:r>
+            <a:endParaRPr>
+              <a:latin typeface="Times New Roman"/>
+              <a:ea typeface="Times New Roman"/>
+              <a:cs typeface="Times New Roman"/>
+            </a:endParaRPr>
+          </a:p>
+        </p:txBody>
+      </p:sp>
+      <p:sp>
+        <p:nvSpPr>
+          <p:cNvPr id="203820561" name="Объект 2" hidden="0"/>
+          <p:cNvSpPr>
+            <a:spLocks noGrp="1"/>
+          </p:cNvSpPr>
+          <p:nvPr isPhoto="0" userDrawn="0">
+            <p:ph idx="1" hasCustomPrompt="0"/>
+          </p:nvPr>
+        </p:nvSpPr>
+        <p:spPr bwMode="auto"/>
+        <p:txBody>
+          <a:bodyPr/>
+          <a:lstStyle/>
+          <a:p>
+            <a:pPr marL="394023" indent="-394023">
+              <a:buFont typeface="Arial"/>
+              <a:buAutoNum type="arabicPeriod"/>
+              <a:defRPr/>
+            </a:pPr>
+            <a:r>
+              <a:rPr>
+                <a:latin typeface="Times New Roman"/>
+                <a:ea typeface="Times New Roman"/>
+                <a:cs typeface="Times New Roman"/>
+              </a:rPr>
+              <a:t>3</a:t>
+            </a:r>
+            <a:r>
+              <a:rPr lang="en-US">
+                <a:latin typeface="Times New Roman"/>
+                <a:ea typeface="Times New Roman"/>
+                <a:cs typeface="Times New Roman"/>
+              </a:rPr>
+              <a:t>d</a:t>
+            </a:r>
+            <a:r>
+              <a:rPr lang="ru-RU">
+                <a:latin typeface="Times New Roman"/>
+                <a:ea typeface="Times New Roman"/>
+                <a:cs typeface="Times New Roman"/>
+              </a:rPr>
+              <a:t> моделирование использовано для создания и последующей печати модели некоторых запчастей электродвигателя.</a:t>
+            </a:r>
+            <a:endParaRPr lang="ru-RU">
+              <a:latin typeface="Times New Roman"/>
+              <a:ea typeface="Times New Roman"/>
+              <a:cs typeface="Times New Roman"/>
+            </a:endParaRPr>
+          </a:p>
+          <a:p>
+            <a:pPr marL="394023" indent="-394023">
+              <a:buFont typeface="Arial"/>
+              <a:buAutoNum type="arabicPeriod"/>
+              <a:defRPr/>
+            </a:pPr>
+            <a:r>
+              <a:rPr lang="ru-RU">
+                <a:latin typeface="Times New Roman"/>
+                <a:ea typeface="Times New Roman"/>
+                <a:cs typeface="Times New Roman"/>
+              </a:rPr>
+              <a:t>Знания базовых принципов работы электродвигателя использованы для работы электродвигателя.</a:t>
+            </a:r>
+            <a:endParaRPr lang="ru-RU">
+              <a:latin typeface="Times New Roman"/>
+              <a:ea typeface="Times New Roman"/>
+              <a:cs typeface="Times New Roman"/>
+            </a:endParaRPr>
+          </a:p>
+          <a:p>
+            <a:pPr marL="394023" indent="-394023">
+              <a:buFont typeface="Arial"/>
+              <a:buAutoNum type="arabicPeriod"/>
+              <a:defRPr/>
+            </a:pPr>
+            <a:endParaRPr lang="ru-RU">
+              <a:latin typeface="Times New Roman"/>
+              <a:ea typeface="Times New Roman"/>
+              <a:cs typeface="Times New Roman"/>
+            </a:endParaRPr>
+          </a:p>
+          <a:p>
+            <a:pPr marL="394023" indent="-394023">
+              <a:buFont typeface="Arial"/>
+              <a:buAutoNum type="arabicPeriod"/>
+              <a:defRPr/>
+            </a:pPr>
+            <a:endParaRPr lang="ru-RU">
+              <a:latin typeface="Times New Roman"/>
+              <a:ea typeface="Times New Roman"/>
+              <a:cs typeface="Times New Roman"/>
+            </a:endParaRPr>
           </a:p>
         </p:txBody>
       </p:sp>

--- a/Кузовлев.pptx
+++ b/Кузовлев.pptx
@@ -12,6 +12,10 @@
     <p:sldId id="260" r:id="rId7"/>
     <p:sldId id="261" r:id="rId8"/>
     <p:sldId id="262" r:id="rId9"/>
+    <p:sldId id="263" r:id="rId10"/>
+    <p:sldId id="264" r:id="rId11"/>
+    <p:sldId id="265" r:id="rId12"/>
+    <p:sldId id="266" r:id="rId13"/>
   </p:sldIdLst>
   <p:sldSz cx="12192000" cy="6858000"/>
   <p:notesSz cx="12192000" cy="6858000"/>
@@ -3225,7 +3229,7 @@
         </p:spPr>
         <p:txBody>
           <a:bodyPr vertOverflow="overflow" horzOverflow="clip" vert="horz" wrap="square" lIns="91440" tIns="45720" rIns="91440" bIns="45720" numCol="1" spcCol="0" rtlCol="0" fromWordArt="0" anchor="t" anchorCtr="0" forceAA="0" upright="0" compatLnSpc="0">
-            <a:normAutofit/>
+            <a:normAutofit fontScale="95000" lnSpcReduction="1000"/>
           </a:bodyPr>
           <a:lstStyle/>
           <a:p>
@@ -3272,7 +3276,7 @@
                 <a:ea typeface="Times New Roman"/>
                 <a:cs typeface="Times New Roman"/>
               </a:rPr>
-              <a:t>би</a:t>
+              <a:t>би.</a:t>
             </a:r>
             <a:endParaRPr sz="3600">
               <a:latin typeface="Times New Roman"/>
@@ -3350,7 +3354,41 @@
                 <a:ea typeface="Times New Roman"/>
                 <a:cs typeface="Times New Roman"/>
               </a:rPr>
-              <a:t> 14 лет, Пензенская область, город Пенза.</a:t>
+              <a:t> 14 лет.</a:t>
+            </a:r>
+            <a:endParaRPr lang="ru-RU" sz="3600">
+              <a:latin typeface="Times New Roman"/>
+              <a:ea typeface="Times New Roman"/>
+              <a:cs typeface="Times New Roman"/>
+            </a:endParaRPr>
+          </a:p>
+          <a:p>
+            <a:pPr algn="l">
+              <a:defRPr/>
+            </a:pPr>
+            <a:r>
+              <a:rPr lang="ru-RU" sz="3600">
+                <a:latin typeface="Times New Roman"/>
+                <a:ea typeface="Times New Roman"/>
+                <a:cs typeface="Times New Roman"/>
+              </a:rPr>
+              <a:t>Регион</a:t>
+            </a:r>
+            <a:r>
+              <a:rPr lang="en-US" sz="3600">
+                <a:latin typeface="Times New Roman"/>
+                <a:ea typeface="Times New Roman"/>
+                <a:cs typeface="Times New Roman"/>
+              </a:rPr>
+              <a:t>: </a:t>
+            </a:r>
+            <a:r>
+              <a:rPr lang="ru-RU" sz="3600">
+                <a:latin typeface="Times New Roman"/>
+                <a:ea typeface="Times New Roman"/>
+                <a:cs typeface="Times New Roman"/>
+              </a:rPr>
+              <a:t>Пензенская область, город Пенза.</a:t>
             </a:r>
             <a:endParaRPr sz="3600">
               <a:latin typeface="Times New Roman"/>
@@ -3455,6 +3493,14 @@
                 <a:cs typeface="Times New Roman"/>
               </a:rPr>
               <a:t>”</a:t>
+            </a:r>
+            <a:r>
+              <a:rPr lang="ru-RU" sz="3600">
+                <a:latin typeface="Times New Roman"/>
+                <a:ea typeface="Times New Roman"/>
+                <a:cs typeface="Times New Roman"/>
+              </a:rPr>
+              <a:t>.</a:t>
             </a:r>
             <a:endParaRPr sz="3600">
               <a:latin typeface="Times New Roman"/>
@@ -3605,6 +3651,275 @@
               <a:defRPr/>
             </a:pPr>
             <a:endParaRPr/>
+          </a:p>
+        </p:txBody>
+      </p:sp>
+    </p:spTree>
+  </p:cSld>
+  <p:clrMapOvr>
+    <a:masterClrMapping/>
+  </p:clrMapOvr>
+  <mc:AlternateContent xmlns:mc="http://schemas.openxmlformats.org/markup-compatibility/2006">
+    <mc:Choice xmlns:p14="http://schemas.microsoft.com/office/powerpoint/2010/main" Requires="p14">
+      <p:transition p14:dur="2000" advClick="1"/>
+    </mc:Choice>
+    <mc:Fallback>
+      <p:transition advClick="1"/>
+    </mc:Fallback>
+  </mc:AlternateContent>
+</p:sld>
+</file>
+
+<file path=ppt/slides/slide10.xml><?xml version="1.0" encoding="utf-8"?>
+<p:sld xmlns:a="http://schemas.openxmlformats.org/drawingml/2006/main" xmlns:r="http://schemas.openxmlformats.org/officeDocument/2006/relationships" xmlns:p="http://schemas.openxmlformats.org/presentationml/2006/main" xmlns:m="http://schemas.openxmlformats.org/officeDocument/2006/math" xmlns:w="http://schemas.openxmlformats.org/wordprocessingml/2006/main" showMasterPhAnim="0" show="1">
+  <p:cSld name="">
+    <p:spTree>
+      <p:nvGrpSpPr>
+        <p:cNvPr id="1" name="" hidden="0"/>
+        <p:cNvGrpSpPr/>
+        <p:nvPr isPhoto="0" userDrawn="0"/>
+      </p:nvGrpSpPr>
+      <p:grpSpPr bwMode="auto">
+        <a:xfrm>
+          <a:off x="0" y="0"/>
+          <a:ext cx="0" cy="0"/>
+          <a:chOff x="0" y="0"/>
+          <a:chExt cx="0" cy="0"/>
+        </a:xfrm>
+      </p:grpSpPr>
+      <p:sp>
+        <p:nvSpPr>
+          <p:cNvPr id="1078916921" name="Заголовок 1" hidden="0"/>
+          <p:cNvSpPr>
+            <a:spLocks noGrp="1"/>
+          </p:cNvSpPr>
+          <p:nvPr isPhoto="0" userDrawn="0">
+            <p:ph type="title" hasCustomPrompt="0"/>
+          </p:nvPr>
+        </p:nvSpPr>
+        <p:spPr bwMode="auto"/>
+        <p:txBody>
+          <a:bodyPr/>
+          <a:lstStyle/>
+          <a:p>
+            <a:pPr algn="ctr">
+              <a:defRPr/>
+            </a:pPr>
+            <a:r>
+              <a:rPr sz="4800">
+                <a:latin typeface="Times New Roman"/>
+                <a:ea typeface="Times New Roman"/>
+                <a:cs typeface="Times New Roman"/>
+              </a:rPr>
+              <a:t>Оценка коммерциализации</a:t>
+            </a:r>
+            <a:r>
+              <a:rPr lang="en-US" sz="4800">
+                <a:latin typeface="Times New Roman"/>
+                <a:ea typeface="Times New Roman"/>
+                <a:cs typeface="Times New Roman"/>
+              </a:rPr>
+              <a:t>:</a:t>
+            </a:r>
+            <a:endParaRPr sz="4800">
+              <a:latin typeface="Times New Roman"/>
+              <a:ea typeface="Times New Roman"/>
+              <a:cs typeface="Times New Roman"/>
+            </a:endParaRPr>
+          </a:p>
+        </p:txBody>
+      </p:sp>
+      <p:sp>
+        <p:nvSpPr>
+          <p:cNvPr id="179463261" name="Объект 2" hidden="0"/>
+          <p:cNvSpPr>
+            <a:spLocks noGrp="1"/>
+          </p:cNvSpPr>
+          <p:nvPr isPhoto="0" userDrawn="0">
+            <p:ph idx="1" hasCustomPrompt="0"/>
+          </p:nvPr>
+        </p:nvSpPr>
+        <p:spPr bwMode="auto">
+          <a:xfrm flipH="0" flipV="0">
+            <a:off x="838199" y="1455721"/>
+            <a:ext cx="10515600" cy="4009593"/>
+          </a:xfrm>
+        </p:spPr>
+        <p:txBody>
+          <a:bodyPr vertOverflow="overflow" horzOverflow="clip" vert="horz" wrap="square" lIns="91440" tIns="45720" rIns="91440" bIns="45720" numCol="1" spcCol="0" rtlCol="0" fromWordArt="0" anchor="t" anchorCtr="0" forceAA="0" upright="0" compatLnSpc="0">
+            <a:normAutofit fontScale="90000" lnSpcReduction="2000"/>
+          </a:bodyPr>
+          <a:lstStyle/>
+          <a:p>
+            <a:pPr marL="0" indent="0">
+              <a:buFont typeface="Arial"/>
+              <a:buNone/>
+              <a:defRPr/>
+            </a:pPr>
+            <a:r>
+              <a:rPr>
+                <a:latin typeface="Times New Roman"/>
+                <a:ea typeface="Times New Roman"/>
+                <a:cs typeface="Times New Roman"/>
+              </a:rPr>
+              <a:t>В практическом применении лучше использовать современный электродвигатель</a:t>
+            </a:r>
+            <a:r>
+              <a:rPr lang="en-US">
+                <a:latin typeface="Times New Roman"/>
+                <a:ea typeface="Times New Roman"/>
+                <a:cs typeface="Times New Roman"/>
+              </a:rPr>
+              <a:t>,</a:t>
+            </a:r>
+            <a:r>
+              <a:rPr lang="ru-RU">
+                <a:latin typeface="Times New Roman"/>
+                <a:ea typeface="Times New Roman"/>
+                <a:cs typeface="Times New Roman"/>
+              </a:rPr>
+              <a:t> т. к. Их конструкция более удобная и компактная, но этот электродвигатель можно использовать в школах для объяснения принципа работы электродвигателя и законов, на которых он построен, поэтому будем считать целевой аудиторией школы России.</a:t>
+            </a:r>
+            <a:endParaRPr lang="ru-RU">
+              <a:latin typeface="Times New Roman"/>
+              <a:ea typeface="Times New Roman"/>
+              <a:cs typeface="Times New Roman"/>
+            </a:endParaRPr>
+          </a:p>
+          <a:p>
+            <a:pPr marL="0" indent="0">
+              <a:buFont typeface="Arial"/>
+              <a:buNone/>
+              <a:defRPr/>
+            </a:pPr>
+            <a:r>
+              <a:rPr lang="ru-RU">
+                <a:latin typeface="Times New Roman"/>
+                <a:ea typeface="Times New Roman"/>
+                <a:cs typeface="Times New Roman"/>
+              </a:rPr>
+              <a:t>Всего школ в России почти 40 тысяч, но предположим, что 4 тысячи из них захотят приобрести по одному электродвигателю.</a:t>
+            </a:r>
+            <a:endParaRPr lang="ru-RU">
+              <a:latin typeface="Times New Roman"/>
+              <a:ea typeface="Times New Roman"/>
+              <a:cs typeface="Times New Roman"/>
+            </a:endParaRPr>
+          </a:p>
+          <a:p>
+            <a:pPr marL="0" indent="0">
+              <a:buFont typeface="Arial"/>
+              <a:buNone/>
+              <a:defRPr/>
+            </a:pPr>
+            <a:r>
+              <a:rPr lang="ru-RU">
+                <a:latin typeface="Times New Roman"/>
+                <a:ea typeface="Times New Roman"/>
+                <a:cs typeface="Times New Roman"/>
+              </a:rPr>
+              <a:t>Будем продавать 1 двигатель за 400 рублей с себестоимостью 200 рублей. 4000 двигателей сделать в ручную сложно, поэтому необходимо оборудование, позволяющее упростить процесс их создания, итого мы получим 800 тысяч рублей не включая затраты на оптимизацию создания.</a:t>
+            </a:r>
+            <a:endParaRPr>
+              <a:latin typeface="Times New Roman"/>
+              <a:ea typeface="Times New Roman"/>
+              <a:cs typeface="Times New Roman"/>
+            </a:endParaRPr>
+          </a:p>
+        </p:txBody>
+      </p:sp>
+    </p:spTree>
+  </p:cSld>
+  <p:clrMapOvr>
+    <a:masterClrMapping/>
+  </p:clrMapOvr>
+  <mc:AlternateContent xmlns:mc="http://schemas.openxmlformats.org/markup-compatibility/2006">
+    <mc:Choice xmlns:p14="http://schemas.microsoft.com/office/powerpoint/2010/main" Requires="p14">
+      <p:transition p14:dur="2000" advClick="1"/>
+    </mc:Choice>
+    <mc:Fallback>
+      <p:transition advClick="1"/>
+    </mc:Fallback>
+  </mc:AlternateContent>
+</p:sld>
+</file>
+
+<file path=ppt/slides/slide11.xml><?xml version="1.0" encoding="utf-8"?>
+<p:sld xmlns:a="http://schemas.openxmlformats.org/drawingml/2006/main" xmlns:r="http://schemas.openxmlformats.org/officeDocument/2006/relationships" xmlns:p="http://schemas.openxmlformats.org/presentationml/2006/main" xmlns:m="http://schemas.openxmlformats.org/officeDocument/2006/math" xmlns:w="http://schemas.openxmlformats.org/wordprocessingml/2006/main" showMasterPhAnim="0" show="1">
+  <p:cSld name="">
+    <p:spTree>
+      <p:nvGrpSpPr>
+        <p:cNvPr id="1" name="" hidden="0"/>
+        <p:cNvGrpSpPr/>
+        <p:nvPr isPhoto="0" userDrawn="0"/>
+      </p:nvGrpSpPr>
+      <p:grpSpPr bwMode="auto">
+        <a:xfrm>
+          <a:off x="0" y="0"/>
+          <a:ext cx="0" cy="0"/>
+          <a:chOff x="0" y="0"/>
+          <a:chExt cx="0" cy="0"/>
+        </a:xfrm>
+      </p:grpSpPr>
+      <p:sp>
+        <p:nvSpPr>
+          <p:cNvPr id="1530085736" name="Заголовок 1" hidden="0"/>
+          <p:cNvSpPr>
+            <a:spLocks noGrp="1"/>
+          </p:cNvSpPr>
+          <p:nvPr isPhoto="0" userDrawn="0">
+            <p:ph type="title" hasCustomPrompt="0"/>
+          </p:nvPr>
+        </p:nvSpPr>
+        <p:spPr bwMode="auto"/>
+        <p:txBody>
+          <a:bodyPr/>
+          <a:lstStyle/>
+          <a:p>
+            <a:pPr>
+              <a:defRPr/>
+            </a:pPr>
+            <a:r>
+              <a:rPr sz="4800">
+                <a:latin typeface="Times New Roman"/>
+                <a:ea typeface="Times New Roman"/>
+                <a:cs typeface="Times New Roman"/>
+              </a:rPr>
+              <a:t>Ссылка на видео</a:t>
+            </a:r>
+            <a:r>
+              <a:rPr lang="en-US" sz="4800">
+                <a:latin typeface="Times New Roman"/>
+                <a:ea typeface="Times New Roman"/>
+                <a:cs typeface="Times New Roman"/>
+              </a:rPr>
+              <a:t>:</a:t>
+            </a:r>
+            <a:endParaRPr sz="4800"/>
+          </a:p>
+        </p:txBody>
+      </p:sp>
+      <p:sp>
+        <p:nvSpPr>
+          <p:cNvPr id="269055815" name="Объект 2" hidden="0"/>
+          <p:cNvSpPr>
+            <a:spLocks noGrp="1"/>
+          </p:cNvSpPr>
+          <p:nvPr isPhoto="0" userDrawn="0">
+            <p:ph idx="1" hasCustomPrompt="0"/>
+          </p:nvPr>
+        </p:nvSpPr>
+        <p:spPr bwMode="auto"/>
+        <p:txBody>
+          <a:bodyPr/>
+          <a:lstStyle/>
+          <a:p>
+            <a:pPr marL="0" indent="0">
+              <a:buFont typeface="Arial"/>
+              <a:buNone/>
+              <a:defRPr/>
+            </a:pPr>
+            <a:endParaRPr sz="4800"/>
           </a:p>
         </p:txBody>
       </p:sp>
@@ -3721,7 +4036,7 @@
                 <a:ea typeface="Times New Roman"/>
                 <a:cs typeface="Times New Roman"/>
               </a:rPr>
-              <a:t>Бориса Семёновича Якоби</a:t>
+              <a:t>Бориса Семёновича Якоби.</a:t>
             </a:r>
             <a:endParaRPr sz="9600" b="0" i="0" u="none" strike="noStrike" cap="none" spc="0">
               <a:solidFill>
@@ -3991,8 +4306,8 @@
         </p:nvSpPr>
         <p:spPr bwMode="auto">
           <a:xfrm flipH="0" flipV="0">
-            <a:off x="3410831" y="990009"/>
-            <a:ext cx="6667499" cy="3260797"/>
+            <a:off x="3410830" y="990008"/>
+            <a:ext cx="6667498" cy="5150379"/>
           </a:xfrm>
           <a:prstGeom prst="rect">
             <a:avLst/>
@@ -4053,7 +4368,7 @@
                 <a:ea typeface="Times New Roman"/>
                 <a:cs typeface="Times New Roman"/>
               </a:rPr>
-              <a:t>достоинства и недостатки, а также сравнить с современными моделями</a:t>
+              <a:t>достоинства и недостатки, а также сравнить с современными моделями.</a:t>
             </a:r>
             <a:endParaRPr sz="3600">
               <a:latin typeface="Times New Roman"/>
@@ -4185,6 +4500,15 @@
 <file path=ppt/slides/slide3.xml><?xml version="1.0" encoding="utf-8"?>
 <p:sld xmlns:a="http://schemas.openxmlformats.org/drawingml/2006/main" xmlns:r="http://schemas.openxmlformats.org/officeDocument/2006/relationships" xmlns:p="http://schemas.openxmlformats.org/presentationml/2006/main" xmlns:m="http://schemas.openxmlformats.org/officeDocument/2006/math" xmlns:w="http://schemas.openxmlformats.org/wordprocessingml/2006/main" showMasterPhAnim="0" show="1">
   <p:cSld name="">
+    <p:bg>
+      <p:bgPr shadeToTitle="0">
+        <a:solidFill>
+          <a:schemeClr val="bg1">
+            <a:alpha val="99999"/>
+          </a:schemeClr>
+        </a:solidFill>
+      </p:bgPr>
+    </p:bg>
     <p:spTree>
       <p:nvGrpSpPr>
         <p:cNvPr id="1" name="" hidden="0"/>
@@ -4230,7 +4554,31 @@
                 <a:ea typeface="Times New Roman"/>
                 <a:cs typeface="Times New Roman"/>
               </a:rPr>
-              <a:t>Анализ</a:t>
+              <a:t>А</a:t>
+            </a:r>
+            <a:r>
+              <a:rPr lang="ru-RU" sz="4800" b="0">
+                <a:latin typeface="Times New Roman"/>
+                <a:ea typeface="Times New Roman"/>
+                <a:cs typeface="Times New Roman"/>
+              </a:rPr>
+              <a:t>нализ</a:t>
+            </a:r>
+            <a:r>
+              <a:rPr lang="ru-RU" sz="4800" b="0">
+                <a:latin typeface="Times New Roman"/>
+                <a:ea typeface="Times New Roman"/>
+                <a:cs typeface="Times New Roman"/>
+              </a:rPr>
+              <a:t> </a:t>
+            </a:r>
+            <a:r>
+              <a:rPr lang="ru-RU" sz="4800" b="0">
+                <a:latin typeface="Times New Roman"/>
+                <a:ea typeface="Times New Roman"/>
+                <a:cs typeface="Times New Roman"/>
+              </a:rPr>
+              <a:t>исследов</a:t>
             </a:r>
             <a:r>
               <a:rPr lang="ru-RU" sz="4800">
@@ -4238,15 +4586,7 @@
                 <a:ea typeface="Times New Roman"/>
                 <a:cs typeface="Times New Roman"/>
               </a:rPr>
-              <a:t> </a:t>
-            </a:r>
-            <a:r>
-              <a:rPr lang="ru-RU" sz="4800">
-                <a:latin typeface="Times New Roman"/>
-                <a:ea typeface="Times New Roman"/>
-                <a:cs typeface="Times New Roman"/>
-              </a:rPr>
-              <a:t>исследований</a:t>
+              <a:t>аний</a:t>
             </a:r>
             <a:r>
               <a:rPr lang="en-US" sz="4800">
@@ -4529,8 +4869,8 @@
         </p:nvSpPr>
         <p:spPr bwMode="auto">
           <a:xfrm flipH="0" flipV="0">
-            <a:off x="5742171" y="1502790"/>
-            <a:ext cx="6410188" cy="4480596"/>
+            <a:off x="5742171" y="1502789"/>
+            <a:ext cx="6411375" cy="3931956"/>
           </a:xfrm>
           <a:prstGeom prst="rect">
             <a:avLst/>
@@ -4546,7 +4886,7 @@
               <a:defRPr/>
             </a:pPr>
             <a:r>
-              <a:rPr sz="2400" b="0" i="0" u="none">
+              <a:rPr sz="2800" b="0" i="0" u="none">
                 <a:solidFill>
                   <a:schemeClr val="tx1"/>
                 </a:solidFill>
@@ -4554,10 +4894,10 @@
                 <a:ea typeface="Times New Roman"/>
                 <a:cs typeface="Times New Roman"/>
               </a:rPr>
-              <a:t>1 — обмотка статора с восемью аксиальными полюсами электромагнитов</a:t>
-            </a:r>
-            <a:r>
-              <a:rPr lang="ru-RU" sz="2400" b="0" i="0" u="none">
+              <a:t>1. Обмотка статора</a:t>
+            </a:r>
+            <a:r>
+              <a:rPr lang="ru-RU" sz="2800" b="0" i="0" u="none">
                 <a:solidFill>
                   <a:schemeClr val="tx1"/>
                 </a:solidFill>
@@ -4565,9 +4905,9 @@
                 <a:ea typeface="Times New Roman"/>
                 <a:cs typeface="Times New Roman"/>
               </a:rPr>
-              <a:t>;</a:t>
-            </a:r>
-            <a:endParaRPr sz="2400" b="0" i="0" u="none">
+              <a:t>.</a:t>
+            </a:r>
+            <a:endParaRPr sz="2800" b="0" i="0" u="none">
               <a:solidFill>
                 <a:schemeClr val="tx1"/>
               </a:solidFill>
@@ -4581,7 +4921,7 @@
               <a:defRPr/>
             </a:pPr>
             <a:r>
-              <a:rPr sz="2400" b="0" i="0" u="none">
+              <a:rPr sz="2800" b="0" i="0" u="none">
                 <a:solidFill>
                   <a:schemeClr val="tx1"/>
                 </a:solidFill>
@@ -4589,9 +4929,9 @@
                 <a:ea typeface="Times New Roman"/>
                 <a:cs typeface="Times New Roman"/>
               </a:rPr>
-              <a:t>2 — ротор;</a:t>
-            </a:r>
-            <a:endParaRPr sz="2400" b="0" i="0" u="none">
+              <a:t>2. Ротор.</a:t>
+            </a:r>
+            <a:endParaRPr sz="2800" b="0" i="0" u="none">
               <a:solidFill>
                 <a:schemeClr val="tx1"/>
               </a:solidFill>
@@ -4605,7 +4945,7 @@
               <a:defRPr/>
             </a:pPr>
             <a:r>
-              <a:rPr sz="2400" b="0" i="0" u="none">
+              <a:rPr sz="2800" b="0" i="0" u="none">
                 <a:solidFill>
                   <a:schemeClr val="tx1"/>
                 </a:solidFill>
@@ -4613,10 +4953,10 @@
                 <a:ea typeface="Times New Roman"/>
                 <a:cs typeface="Times New Roman"/>
               </a:rPr>
-              <a:t>3 — обмотка ротора также с восемью полюсами (якорь)</a:t>
-            </a:r>
-            <a:r>
-              <a:rPr lang="en-US" sz="2400" b="0" i="0" u="none">
+              <a:t>3. Обмотка ротора также с восемью полюсами (якорь)</a:t>
+            </a:r>
+            <a:r>
+              <a:rPr lang="ru-RU" sz="2800" b="0" i="0" u="none">
                 <a:solidFill>
                   <a:schemeClr val="tx1"/>
                 </a:solidFill>
@@ -4624,9 +4964,9 @@
                 <a:ea typeface="Times New Roman"/>
                 <a:cs typeface="Times New Roman"/>
               </a:rPr>
-              <a:t>;</a:t>
-            </a:r>
-            <a:endParaRPr sz="2400" b="0" i="0" u="none">
+              <a:t>.</a:t>
+            </a:r>
+            <a:endParaRPr sz="2800" b="0" i="0" u="none">
               <a:solidFill>
                 <a:schemeClr val="tx1"/>
               </a:solidFill>
@@ -4640,7 +4980,7 @@
               <a:defRPr/>
             </a:pPr>
             <a:r>
-              <a:rPr sz="2400" b="0" i="0" u="none">
+              <a:rPr sz="2800" b="0" i="0" u="none">
                 <a:solidFill>
                   <a:schemeClr val="tx1"/>
                 </a:solidFill>
@@ -4648,10 +4988,10 @@
                 <a:ea typeface="Times New Roman"/>
                 <a:cs typeface="Times New Roman"/>
               </a:rPr>
-              <a:t>4 — щеточно-коллекторный узел (коммутатор), называемый тогда «жиротропом», с четырьмя металлическими контактными рычагами и коллекторными дисками</a:t>
-            </a:r>
-            <a:r>
-              <a:rPr lang="en-US" sz="2400" b="0" i="0" u="none">
+              <a:t>4. Щеточно-коллекторный узел, с четырьмя металлическими контактными рычагами и коллекторными дисками</a:t>
+            </a:r>
+            <a:r>
+              <a:rPr lang="ru-RU" sz="2800" b="0" i="0" u="none">
                 <a:solidFill>
                   <a:schemeClr val="tx1"/>
                 </a:solidFill>
@@ -4659,9 +4999,9 @@
                 <a:ea typeface="Times New Roman"/>
                 <a:cs typeface="Times New Roman"/>
               </a:rPr>
-              <a:t>;</a:t>
-            </a:r>
-            <a:endParaRPr sz="2400" b="0" i="0" u="none">
+              <a:t>.</a:t>
+            </a:r>
+            <a:endParaRPr sz="2800" b="0" i="0" u="none">
               <a:solidFill>
                 <a:schemeClr val="tx1"/>
               </a:solidFill>
@@ -4675,7 +5015,7 @@
               <a:defRPr/>
             </a:pPr>
             <a:r>
-              <a:rPr sz="2400" b="0" i="0" u="none">
+              <a:rPr sz="2800" b="0" i="0" u="none">
                 <a:solidFill>
                   <a:schemeClr val="tx1"/>
                 </a:solidFill>
@@ -4683,10 +5023,10 @@
                 <a:ea typeface="Times New Roman"/>
                 <a:cs typeface="Times New Roman"/>
               </a:rPr>
-              <a:t>5 — вал</a:t>
-            </a:r>
-            <a:r>
-              <a:rPr lang="en-US" sz="2400" b="0" i="0" u="none">
+              <a:t>5. Вал</a:t>
+            </a:r>
+            <a:r>
+              <a:rPr lang="ru-RU" sz="2800" b="0" i="0" u="none">
                 <a:solidFill>
                   <a:schemeClr val="tx1"/>
                 </a:solidFill>
@@ -4694,9 +5034,9 @@
                 <a:ea typeface="Times New Roman"/>
                 <a:cs typeface="Times New Roman"/>
               </a:rPr>
-              <a:t>;</a:t>
-            </a:r>
-            <a:endParaRPr sz="2400" b="0" i="0" u="none">
+              <a:t>.</a:t>
+            </a:r>
+            <a:endParaRPr sz="2800" b="0" i="0" u="none">
               <a:solidFill>
                 <a:schemeClr val="tx1"/>
               </a:solidFill>
@@ -4710,7 +5050,7 @@
               <a:defRPr/>
             </a:pPr>
             <a:r>
-              <a:rPr sz="2400" b="0" i="0" u="none">
+              <a:rPr sz="2800" b="0" i="0" u="none">
                 <a:solidFill>
                   <a:schemeClr val="tx1"/>
                 </a:solidFill>
@@ -4718,9 +5058,9 @@
                 <a:ea typeface="Times New Roman"/>
                 <a:cs typeface="Times New Roman"/>
               </a:rPr>
-              <a:t>6 — гальваническая батарея.</a:t>
-            </a:r>
-            <a:endParaRPr sz="2400">
+              <a:t>6. Гальваническая батарея.</a:t>
+            </a:r>
+            <a:endParaRPr sz="2600">
               <a:solidFill>
                 <a:schemeClr val="tx1"/>
               </a:solidFill>
@@ -4783,7 +5123,7 @@
               <a:defRPr/>
             </a:pPr>
             <a:r>
-              <a:rPr>
+              <a:rPr sz="4800">
                 <a:latin typeface="Times New Roman"/>
                 <a:ea typeface="Times New Roman"/>
                 <a:cs typeface="Times New Roman"/>
@@ -4791,14 +5131,14 @@
               <a:t>Описание проекта</a:t>
             </a:r>
             <a:r>
-              <a:rPr lang="en-US">
+              <a:rPr lang="en-US" sz="4800">
                 <a:latin typeface="Times New Roman"/>
                 <a:ea typeface="Times New Roman"/>
                 <a:cs typeface="Times New Roman"/>
               </a:rPr>
               <a:t>:</a:t>
             </a:r>
-            <a:endParaRPr>
+            <a:endParaRPr sz="4800">
               <a:latin typeface="Times New Roman"/>
               <a:ea typeface="Times New Roman"/>
               <a:cs typeface="Times New Roman"/>
@@ -4909,7 +5249,19 @@
               <a:buNone/>
               <a:defRPr/>
             </a:pPr>
-            <a:endParaRPr sz="3000"/>
+            <a:r>
+              <a:rPr sz="3000">
+                <a:latin typeface="Times New Roman"/>
+                <a:ea typeface="Times New Roman"/>
+                <a:cs typeface="Times New Roman"/>
+              </a:rPr>
+              <a:t>В этом году оригиналу электродвигателя исполняется 190 лет.</a:t>
+            </a:r>
+            <a:endParaRPr sz="3000">
+              <a:latin typeface="Times New Roman"/>
+              <a:ea typeface="Times New Roman"/>
+              <a:cs typeface="Times New Roman"/>
+            </a:endParaRPr>
           </a:p>
         </p:txBody>
       </p:sp>
@@ -4958,7 +5310,9 @@
         </p:nvSpPr>
         <p:spPr bwMode="auto"/>
         <p:txBody>
-          <a:bodyPr/>
+          <a:bodyPr vertOverflow="overflow" horzOverflow="clip" vert="horz" wrap="square" lIns="91440" tIns="45720" rIns="91440" bIns="45720" numCol="1" spcCol="0" rtlCol="0" fromWordArt="0" anchor="ctr" anchorCtr="0" forceAA="0" upright="0" compatLnSpc="0">
+            <a:normAutofit/>
+          </a:bodyPr>
           <a:lstStyle/>
           <a:p>
             <a:pPr algn="ctr">
@@ -5127,7 +5481,7 @@
       </p:grpSpPr>
       <p:sp>
         <p:nvSpPr>
-          <p:cNvPr id="1104076451" name="Заголовок 1" hidden="0"/>
+          <p:cNvPr id="1588227110" name="Заголовок 1" hidden="0"/>
           <p:cNvSpPr>
             <a:spLocks noGrp="1"/>
           </p:cNvSpPr>
@@ -5144,12 +5498,241 @@
               <a:defRPr/>
             </a:pPr>
             <a:r>
+              <a:rPr sz="4400">
+                <a:latin typeface="Times New Roman"/>
+                <a:ea typeface="Times New Roman"/>
+                <a:cs typeface="Times New Roman"/>
+              </a:rPr>
+              <a:t>Про</a:t>
+            </a:r>
+            <a:r>
+              <a:rPr sz="4400">
+                <a:latin typeface="Times New Roman"/>
+                <a:ea typeface="Times New Roman"/>
+                <a:cs typeface="Times New Roman"/>
+              </a:rPr>
+              <a:t>е</a:t>
+            </a:r>
+            <a:r>
+              <a:rPr sz="4400">
+                <a:latin typeface="Times New Roman"/>
+                <a:ea typeface="Times New Roman"/>
+                <a:cs typeface="Times New Roman"/>
+              </a:rPr>
+              <a:t>кт был разбит на несколько этапов</a:t>
+            </a:r>
+            <a:r>
+              <a:rPr lang="en-US" sz="4400">
+                <a:latin typeface="Times New Roman"/>
+                <a:ea typeface="Times New Roman"/>
+                <a:cs typeface="Times New Roman"/>
+              </a:rPr>
+              <a:t>:</a:t>
+            </a:r>
+            <a:endParaRPr sz="3600">
+              <a:latin typeface="Times New Roman"/>
+              <a:ea typeface="Times New Roman"/>
+              <a:cs typeface="Times New Roman"/>
+            </a:endParaRPr>
+          </a:p>
+        </p:txBody>
+      </p:sp>
+      <p:sp>
+        <p:nvSpPr>
+          <p:cNvPr id="1095402472" name="Объект 2" hidden="0"/>
+          <p:cNvSpPr>
+            <a:spLocks noGrp="1"/>
+          </p:cNvSpPr>
+          <p:nvPr isPhoto="0" userDrawn="0">
+            <p:ph idx="1" hasCustomPrompt="0"/>
+          </p:nvPr>
+        </p:nvSpPr>
+        <p:spPr bwMode="auto"/>
+        <p:txBody>
+          <a:bodyPr vertOverflow="overflow" horzOverflow="clip" vert="horz" wrap="square" lIns="91440" tIns="45720" rIns="91440" bIns="45720" numCol="1" spcCol="0" rtlCol="0" fromWordArt="0" anchor="t" anchorCtr="0" forceAA="0" upright="0" compatLnSpc="0">
+            <a:normAutofit/>
+          </a:bodyPr>
+          <a:lstStyle/>
+          <a:p>
+            <a:pPr marL="394023" indent="-394023">
+              <a:buFont typeface="Arial"/>
+              <a:buAutoNum type="arabicPeriod"/>
+              <a:defRPr/>
+            </a:pPr>
+            <a:r>
+              <a:rPr sz="3600">
+                <a:latin typeface="Times New Roman"/>
+                <a:ea typeface="Times New Roman"/>
+                <a:cs typeface="Times New Roman"/>
+              </a:rPr>
+              <a:t>Изучение информации об электродвигателе.</a:t>
+            </a:r>
+            <a:endParaRPr sz="3600">
+              <a:latin typeface="Times New Roman"/>
+              <a:ea typeface="Times New Roman"/>
+              <a:cs typeface="Times New Roman"/>
+            </a:endParaRPr>
+          </a:p>
+          <a:p>
+            <a:pPr marL="394023" indent="-394023">
+              <a:buFont typeface="Arial"/>
+              <a:buAutoNum type="arabicPeriod"/>
+              <a:defRPr/>
+            </a:pPr>
+            <a:r>
+              <a:rPr sz="3600">
+                <a:latin typeface="Times New Roman"/>
+                <a:ea typeface="Times New Roman"/>
+                <a:cs typeface="Times New Roman"/>
+              </a:rPr>
+              <a:t>Моделирование корпуса электродвигателя.</a:t>
+            </a:r>
+            <a:endParaRPr sz="3600">
+              <a:latin typeface="Times New Roman"/>
+              <a:ea typeface="Times New Roman"/>
+              <a:cs typeface="Times New Roman"/>
+            </a:endParaRPr>
+          </a:p>
+          <a:p>
+            <a:pPr marL="394023" indent="-394023">
+              <a:buFont typeface="Arial"/>
+              <a:buAutoNum type="arabicPeriod"/>
+              <a:defRPr/>
+            </a:pPr>
+            <a:r>
+              <a:rPr sz="3600">
+                <a:latin typeface="Times New Roman"/>
+                <a:ea typeface="Times New Roman"/>
+                <a:cs typeface="Times New Roman"/>
+              </a:rPr>
+              <a:t>Печать и сборка корпуса электродвигателя.</a:t>
+            </a:r>
+            <a:endParaRPr sz="3600">
+              <a:latin typeface="Times New Roman"/>
+              <a:ea typeface="Times New Roman"/>
+              <a:cs typeface="Times New Roman"/>
+            </a:endParaRPr>
+          </a:p>
+          <a:p>
+            <a:pPr marL="394023" indent="-394023">
+              <a:buFont typeface="Arial"/>
+              <a:buAutoNum type="arabicPeriod"/>
+              <a:defRPr/>
+            </a:pPr>
+            <a:r>
+              <a:rPr sz="3600">
+                <a:latin typeface="Times New Roman"/>
+                <a:ea typeface="Times New Roman"/>
+                <a:cs typeface="Times New Roman"/>
+              </a:rPr>
+              <a:t>Оснащение собранного двигателя электроникой.</a:t>
+            </a:r>
+            <a:endParaRPr sz="3600">
+              <a:latin typeface="Times New Roman"/>
+              <a:ea typeface="Times New Roman"/>
+              <a:cs typeface="Times New Roman"/>
+            </a:endParaRPr>
+          </a:p>
+          <a:p>
+            <a:pPr marL="394023" indent="-394023">
+              <a:buFont typeface="Arial"/>
+              <a:buAutoNum type="arabicPeriod"/>
+              <a:defRPr/>
+            </a:pPr>
+            <a:r>
+              <a:rPr sz="3600">
+                <a:latin typeface="Times New Roman"/>
+                <a:ea typeface="Times New Roman"/>
+                <a:cs typeface="Times New Roman"/>
+              </a:rPr>
+              <a:t>Проверка работоспособности электродвигателя.</a:t>
+            </a:r>
+            <a:endParaRPr sz="3600">
+              <a:latin typeface="Times New Roman"/>
+              <a:ea typeface="Times New Roman"/>
+              <a:cs typeface="Times New Roman"/>
+            </a:endParaRPr>
+          </a:p>
+          <a:p>
+            <a:pPr marL="0" indent="0">
+              <a:buFont typeface="Arial"/>
+              <a:buNone/>
+              <a:defRPr/>
+            </a:pPr>
+            <a:endParaRPr sz="3600">
+              <a:latin typeface="Times New Roman"/>
+              <a:ea typeface="Times New Roman"/>
+              <a:cs typeface="Times New Roman"/>
+            </a:endParaRPr>
+          </a:p>
+          <a:p>
+            <a:pPr marL="394023" indent="-394023">
+              <a:buFont typeface="Arial"/>
+              <a:buAutoNum type="arabicPeriod"/>
+              <a:defRPr/>
+            </a:pPr>
+            <a:endParaRPr/>
+          </a:p>
+        </p:txBody>
+      </p:sp>
+    </p:spTree>
+  </p:cSld>
+  <p:clrMapOvr>
+    <a:masterClrMapping/>
+  </p:clrMapOvr>
+  <mc:AlternateContent xmlns:mc="http://schemas.openxmlformats.org/markup-compatibility/2006">
+    <mc:Choice xmlns:p14="http://schemas.microsoft.com/office/powerpoint/2010/main" Requires="p14">
+      <p:transition p14:dur="2000" advClick="1"/>
+    </mc:Choice>
+    <mc:Fallback>
+      <p:transition advClick="1"/>
+    </mc:Fallback>
+  </mc:AlternateContent>
+</p:sld>
+</file>
+
+<file path=ppt/slides/slide8.xml><?xml version="1.0" encoding="utf-8"?>
+<p:sld xmlns:a="http://schemas.openxmlformats.org/drawingml/2006/main" xmlns:r="http://schemas.openxmlformats.org/officeDocument/2006/relationships" xmlns:p="http://schemas.openxmlformats.org/presentationml/2006/main" xmlns:m="http://schemas.openxmlformats.org/officeDocument/2006/math" xmlns:w="http://schemas.openxmlformats.org/wordprocessingml/2006/main" showMasterPhAnim="0" show="1">
+  <p:cSld name="">
+    <p:spTree>
+      <p:nvGrpSpPr>
+        <p:cNvPr id="1" name="" hidden="0"/>
+        <p:cNvGrpSpPr/>
+        <p:nvPr isPhoto="0" userDrawn="0"/>
+      </p:nvGrpSpPr>
+      <p:grpSpPr bwMode="auto">
+        <a:xfrm>
+          <a:off x="0" y="0"/>
+          <a:ext cx="0" cy="0"/>
+          <a:chOff x="0" y="0"/>
+          <a:chExt cx="0" cy="0"/>
+        </a:xfrm>
+      </p:grpSpPr>
+      <p:sp>
+        <p:nvSpPr>
+          <p:cNvPr id="462438065" name="Заголовок 1" hidden="0"/>
+          <p:cNvSpPr>
+            <a:spLocks noGrp="1"/>
+          </p:cNvSpPr>
+          <p:nvPr isPhoto="0" userDrawn="0">
+            <p:ph type="title" hasCustomPrompt="0"/>
+          </p:nvPr>
+        </p:nvSpPr>
+        <p:spPr bwMode="auto"/>
+        <p:txBody>
+          <a:bodyPr/>
+          <a:lstStyle/>
+          <a:p>
+            <a:pPr algn="ctr">
+              <a:defRPr/>
+            </a:pPr>
+            <a:r>
               <a:rPr>
                 <a:latin typeface="Times New Roman"/>
                 <a:ea typeface="Times New Roman"/>
                 <a:cs typeface="Times New Roman"/>
               </a:rPr>
-              <a:t>Используемые навыки</a:t>
+              <a:t>Технические характеристики</a:t>
             </a:r>
             <a:r>
               <a:rPr lang="en-US">
@@ -5169,7 +5752,7 @@
       </p:sp>
       <p:sp>
         <p:nvSpPr>
-          <p:cNvPr id="203820561" name="Объект 2" hidden="0"/>
+          <p:cNvPr id="1097848232" name="Объект 2" hidden="0"/>
           <p:cNvSpPr>
             <a:spLocks noGrp="1"/>
           </p:cNvSpPr>
@@ -5177,14 +5760,19 @@
             <p:ph idx="1" hasCustomPrompt="0"/>
           </p:nvPr>
         </p:nvSpPr>
-        <p:spPr bwMode="auto"/>
+        <p:spPr bwMode="auto">
+          <a:xfrm flipH="0" flipV="0">
+            <a:off x="838199" y="1825624"/>
+            <a:ext cx="4369129" cy="4351338"/>
+          </a:xfrm>
+        </p:spPr>
         <p:txBody>
           <a:bodyPr/>
           <a:lstStyle/>
           <a:p>
-            <a:pPr marL="394023" indent="-394023">
+            <a:pPr marL="0" indent="0">
               <a:buFont typeface="Arial"/>
-              <a:buAutoNum type="arabicPeriod"/>
+              <a:buNone/>
               <a:defRPr/>
             </a:pPr>
             <a:r>
@@ -5193,7 +5781,7 @@
                 <a:ea typeface="Times New Roman"/>
                 <a:cs typeface="Times New Roman"/>
               </a:rPr>
-              <a:t>3</a:t>
+              <a:t>Габариты</a:t>
             </a:r>
             <a:r>
               <a:rPr lang="en-US">
@@ -5201,7 +5789,7 @@
                 <a:ea typeface="Times New Roman"/>
                 <a:cs typeface="Times New Roman"/>
               </a:rPr>
-              <a:t>d</a:t>
+              <a:t>:</a:t>
             </a:r>
             <a:r>
               <a:rPr lang="ru-RU">
@@ -5209,29 +5797,290 @@
                 <a:ea typeface="Times New Roman"/>
                 <a:cs typeface="Times New Roman"/>
               </a:rPr>
-              <a:t> моделирование использовано для создания и последующей печати модели некоторых запчастей электродвигателя.</a:t>
-            </a:r>
-            <a:endParaRPr lang="ru-RU">
+              <a:t> </a:t>
+            </a:r>
+            <a:endParaRPr>
               <a:latin typeface="Times New Roman"/>
               <a:ea typeface="Times New Roman"/>
               <a:cs typeface="Times New Roman"/>
             </a:endParaRPr>
           </a:p>
           <a:p>
+            <a:pPr marL="0" indent="0">
+              <a:buFont typeface="Arial"/>
+              <a:buNone/>
+              <a:defRPr/>
+            </a:pPr>
+            <a:r>
+              <a:rPr lang="ru-RU">
+                <a:latin typeface="Times New Roman"/>
+                <a:ea typeface="Times New Roman"/>
+                <a:cs typeface="Times New Roman"/>
+              </a:rPr>
+              <a:t>Входное напряжение</a:t>
+            </a:r>
+            <a:r>
+              <a:rPr lang="en-US">
+                <a:latin typeface="Times New Roman"/>
+                <a:ea typeface="Times New Roman"/>
+                <a:cs typeface="Times New Roman"/>
+              </a:rPr>
+              <a:t>:</a:t>
+            </a:r>
+            <a:r>
+              <a:rPr lang="ru-RU">
+                <a:latin typeface="Times New Roman"/>
+                <a:ea typeface="Times New Roman"/>
+                <a:cs typeface="Times New Roman"/>
+              </a:rPr>
+              <a:t> </a:t>
+            </a:r>
+            <a:endParaRPr>
+              <a:latin typeface="Times New Roman"/>
+              <a:ea typeface="Times New Roman"/>
+              <a:cs typeface="Times New Roman"/>
+            </a:endParaRPr>
+          </a:p>
+          <a:p>
+            <a:pPr marL="0" indent="0">
+              <a:buFont typeface="Arial"/>
+              <a:buNone/>
+              <a:defRPr/>
+            </a:pPr>
+            <a:r>
+              <a:rPr lang="ru-RU">
+                <a:latin typeface="Times New Roman"/>
+                <a:ea typeface="Times New Roman"/>
+                <a:cs typeface="Times New Roman"/>
+              </a:rPr>
+              <a:t>Частота</a:t>
+            </a:r>
+            <a:r>
+              <a:rPr lang="en-US">
+                <a:latin typeface="Times New Roman"/>
+                <a:ea typeface="Times New Roman"/>
+                <a:cs typeface="Times New Roman"/>
+              </a:rPr>
+              <a:t>:</a:t>
+            </a:r>
+            <a:r>
+              <a:rPr lang="ru-RU">
+                <a:latin typeface="Times New Roman"/>
+                <a:ea typeface="Times New Roman"/>
+                <a:cs typeface="Times New Roman"/>
+              </a:rPr>
+              <a:t> </a:t>
+            </a:r>
+            <a:endParaRPr>
+              <a:latin typeface="Times New Roman"/>
+              <a:ea typeface="Times New Roman"/>
+              <a:cs typeface="Times New Roman"/>
+            </a:endParaRPr>
+          </a:p>
+        </p:txBody>
+      </p:sp>
+      <p:sp>
+        <p:nvSpPr>
+          <p:cNvPr id="806611089" name="" hidden="0"/>
+          <p:cNvSpPr txBox="1"/>
+          <p:nvPr isPhoto="0" userDrawn="0"/>
+        </p:nvSpPr>
+        <p:spPr bwMode="auto">
+          <a:xfrm flipH="0" flipV="0">
+            <a:off x="7556213" y="5742326"/>
+            <a:ext cx="2718786" cy="434635"/>
+          </a:xfrm>
+          <a:prstGeom prst="rect">
+            <a:avLst/>
+          </a:prstGeom>
+          <a:noFill/>
+        </p:spPr>
+        <p:txBody>
+          <a:bodyPr vertOverflow="overflow" horzOverflow="clip" vert="horz" wrap="square" lIns="91440" tIns="45720" rIns="91440" bIns="45720" numCol="1" spcCol="0" rtlCol="0" fromWordArt="0" anchor="t" anchorCtr="0" forceAA="0" upright="0" compatLnSpc="0">
+            <a:noAutofit/>
+          </a:bodyPr>
+          <a:p>
+            <a:pPr>
+              <a:defRPr/>
+            </a:pPr>
+            <a:r>
+              <a:rPr lang="ru-RU">
+                <a:latin typeface="Times New Roman"/>
+                <a:ea typeface="Times New Roman"/>
+                <a:cs typeface="Times New Roman"/>
+              </a:rPr>
+              <a:t>Фото электродвигателя</a:t>
+            </a:r>
+            <a:endParaRPr/>
+          </a:p>
+        </p:txBody>
+      </p:sp>
+    </p:spTree>
+  </p:cSld>
+  <p:clrMapOvr>
+    <a:masterClrMapping/>
+  </p:clrMapOvr>
+  <mc:AlternateContent xmlns:mc="http://schemas.openxmlformats.org/markup-compatibility/2006">
+    <mc:Choice xmlns:p14="http://schemas.microsoft.com/office/powerpoint/2010/main" Requires="p14">
+      <p:transition p14:dur="2000" advClick="1"/>
+    </mc:Choice>
+    <mc:Fallback>
+      <p:transition advClick="1"/>
+    </mc:Fallback>
+  </mc:AlternateContent>
+</p:sld>
+</file>
+
+<file path=ppt/slides/slide9.xml><?xml version="1.0" encoding="utf-8"?>
+<p:sld xmlns:a="http://schemas.openxmlformats.org/drawingml/2006/main" xmlns:r="http://schemas.openxmlformats.org/officeDocument/2006/relationships" xmlns:p="http://schemas.openxmlformats.org/presentationml/2006/main" xmlns:m="http://schemas.openxmlformats.org/officeDocument/2006/math" xmlns:w="http://schemas.openxmlformats.org/wordprocessingml/2006/main" showMasterPhAnim="0" show="1">
+  <p:cSld name="">
+    <p:spTree>
+      <p:nvGrpSpPr>
+        <p:cNvPr id="1" name="" hidden="0"/>
+        <p:cNvGrpSpPr/>
+        <p:nvPr isPhoto="0" userDrawn="0"/>
+      </p:nvGrpSpPr>
+      <p:grpSpPr bwMode="auto">
+        <a:xfrm>
+          <a:off x="0" y="0"/>
+          <a:ext cx="0" cy="0"/>
+          <a:chOff x="0" y="0"/>
+          <a:chExt cx="0" cy="0"/>
+        </a:xfrm>
+      </p:grpSpPr>
+      <p:sp>
+        <p:nvSpPr>
+          <p:cNvPr id="1104076451" name="Заголовок 1" hidden="0"/>
+          <p:cNvSpPr>
+            <a:spLocks noGrp="1"/>
+          </p:cNvSpPr>
+          <p:nvPr isPhoto="0" userDrawn="0">
+            <p:ph type="title" hasCustomPrompt="0"/>
+          </p:nvPr>
+        </p:nvSpPr>
+        <p:spPr bwMode="auto"/>
+        <p:txBody>
+          <a:bodyPr/>
+          <a:lstStyle/>
+          <a:p>
+            <a:pPr algn="ctr">
+              <a:defRPr/>
+            </a:pPr>
+            <a:r>
+              <a:rPr sz="4800">
+                <a:latin typeface="Times New Roman"/>
+                <a:ea typeface="Times New Roman"/>
+                <a:cs typeface="Times New Roman"/>
+              </a:rPr>
+              <a:t>Используемые навыки</a:t>
+            </a:r>
+            <a:r>
+              <a:rPr lang="en-US" sz="4800">
+                <a:latin typeface="Times New Roman"/>
+                <a:ea typeface="Times New Roman"/>
+                <a:cs typeface="Times New Roman"/>
+              </a:rPr>
+              <a:t>:</a:t>
+            </a:r>
+            <a:endParaRPr sz="4800">
+              <a:latin typeface="Times New Roman"/>
+              <a:ea typeface="Times New Roman"/>
+              <a:cs typeface="Times New Roman"/>
+            </a:endParaRPr>
+          </a:p>
+        </p:txBody>
+      </p:sp>
+      <p:sp>
+        <p:nvSpPr>
+          <p:cNvPr id="203820561" name="Объект 2" hidden="0"/>
+          <p:cNvSpPr>
+            <a:spLocks noGrp="1"/>
+          </p:cNvSpPr>
+          <p:nvPr isPhoto="0" userDrawn="0">
+            <p:ph idx="1" hasCustomPrompt="0"/>
+          </p:nvPr>
+        </p:nvSpPr>
+        <p:spPr bwMode="auto"/>
+        <p:txBody>
+          <a:bodyPr vertOverflow="overflow" horzOverflow="clip" vert="horz" wrap="square" lIns="91440" tIns="45720" rIns="91440" bIns="45720" numCol="1" spcCol="0" rtlCol="0" fromWordArt="0" anchor="t" anchorCtr="0" forceAA="0" upright="0" compatLnSpc="0">
+            <a:normAutofit fontScale="75000" lnSpcReduction="5000"/>
+          </a:bodyPr>
+          <a:lstStyle/>
+          <a:p>
             <a:pPr marL="394023" indent="-394023">
               <a:buFont typeface="Arial"/>
               <a:buAutoNum type="arabicPeriod"/>
               <a:defRPr/>
             </a:pPr>
             <a:r>
-              <a:rPr lang="ru-RU">
+              <a:rPr sz="4800">
+                <a:latin typeface="Times New Roman"/>
+                <a:ea typeface="Times New Roman"/>
+                <a:cs typeface="Times New Roman"/>
+              </a:rPr>
+              <a:t>3</a:t>
+            </a:r>
+            <a:r>
+              <a:rPr lang="en-US" sz="4800">
+                <a:latin typeface="Times New Roman"/>
+                <a:ea typeface="Times New Roman"/>
+                <a:cs typeface="Times New Roman"/>
+              </a:rPr>
+              <a:t>d</a:t>
+            </a:r>
+            <a:r>
+              <a:rPr lang="ru-RU" sz="4800">
+                <a:latin typeface="Times New Roman"/>
+                <a:ea typeface="Times New Roman"/>
+                <a:cs typeface="Times New Roman"/>
+              </a:rPr>
+              <a:t> моделирование с помощью </a:t>
+            </a:r>
+            <a:r>
+              <a:rPr lang="en-US" sz="4800">
+                <a:latin typeface="Times New Roman"/>
+                <a:ea typeface="Times New Roman"/>
+                <a:cs typeface="Times New Roman"/>
+              </a:rPr>
+              <a:t>blender </a:t>
+            </a:r>
+            <a:r>
+              <a:rPr lang="ru-RU" sz="4800">
+                <a:latin typeface="Times New Roman"/>
+                <a:ea typeface="Times New Roman"/>
+                <a:cs typeface="Times New Roman"/>
+              </a:rPr>
+              <a:t>использовано для создания и последующей печати модели некоторых запчастей электродвигателя.</a:t>
+            </a:r>
+            <a:endParaRPr sz="4800">
+              <a:latin typeface="Times New Roman"/>
+              <a:ea typeface="Times New Roman"/>
+              <a:cs typeface="Times New Roman"/>
+            </a:endParaRPr>
+          </a:p>
+          <a:p>
+            <a:pPr marL="394023" indent="-394023">
+              <a:buFont typeface="Arial"/>
+              <a:buAutoNum type="arabicPeriod"/>
+              <a:defRPr/>
+            </a:pPr>
+            <a:r>
+              <a:rPr lang="ru-RU" sz="4800">
                 <a:latin typeface="Times New Roman"/>
                 <a:ea typeface="Times New Roman"/>
                 <a:cs typeface="Times New Roman"/>
               </a:rPr>
               <a:t>Знания базовых принципов работы электродвигателя использованы для работы электродвигателя.</a:t>
             </a:r>
-            <a:endParaRPr lang="ru-RU">
+            <a:r>
+              <a:rPr lang="en-US" sz="4800">
+                <a:latin typeface="Times New Roman"/>
+                <a:ea typeface="Times New Roman"/>
+                <a:cs typeface="Times New Roman"/>
+              </a:rPr>
+              <a:t> </a:t>
+            </a:r>
+            <a:endParaRPr sz="4800">
               <a:latin typeface="Times New Roman"/>
               <a:ea typeface="Times New Roman"/>
               <a:cs typeface="Times New Roman"/>
